--- a/SHAP_PPT.pptx
+++ b/SHAP_PPT.pptx
@@ -7,11 +7,12 @@
   <p:sldIdLst>
     <p:sldId id="256" r:id="rId2"/>
     <p:sldId id="259" r:id="rId3"/>
-    <p:sldId id="261" r:id="rId4"/>
-    <p:sldId id="266" r:id="rId5"/>
+    <p:sldId id="268" r:id="rId4"/>
+    <p:sldId id="261" r:id="rId5"/>
     <p:sldId id="267" r:id="rId6"/>
-    <p:sldId id="265" r:id="rId7"/>
-    <p:sldId id="264" r:id="rId8"/>
+    <p:sldId id="266" r:id="rId7"/>
+    <p:sldId id="265" r:id="rId8"/>
+    <p:sldId id="264" r:id="rId9"/>
   </p:sldIdLst>
   <p:sldSz cx="12192000" cy="6858000"/>
   <p:notesSz cx="6858000" cy="9144000"/>
@@ -866,7 +867,7 @@
             <a:fld id="{4F4F44D1-DFF6-42E3-B6D2-C59DF4D8DCF9}" type="datetimeFigureOut">
               <a:rPr lang="en-US" smtClean="0"/>
               <a:pPr/>
-              <a:t>4/23/2021</a:t>
+              <a:t>4/24/2021</a:t>
             </a:fld>
             <a:endParaRPr lang="en-US"/>
           </a:p>
@@ -1119,7 +1120,7 @@
             <a:fld id="{4F4F44D1-DFF6-42E3-B6D2-C59DF4D8DCF9}" type="datetimeFigureOut">
               <a:rPr lang="en-US" smtClean="0"/>
               <a:pPr/>
-              <a:t>4/23/2021</a:t>
+              <a:t>4/24/2021</a:t>
             </a:fld>
             <a:endParaRPr lang="en-US"/>
           </a:p>
@@ -1435,7 +1436,7 @@
             <a:fld id="{4F4F44D1-DFF6-42E3-B6D2-C59DF4D8DCF9}" type="datetimeFigureOut">
               <a:rPr lang="en-US" smtClean="0"/>
               <a:pPr/>
-              <a:t>4/23/2021</a:t>
+              <a:t>4/24/2021</a:t>
             </a:fld>
             <a:endParaRPr lang="en-US"/>
           </a:p>
@@ -1764,7 +1765,7 @@
             <a:fld id="{4F4F44D1-DFF6-42E3-B6D2-C59DF4D8DCF9}" type="datetimeFigureOut">
               <a:rPr lang="en-US" smtClean="0"/>
               <a:pPr/>
-              <a:t>4/23/2021</a:t>
+              <a:t>4/24/2021</a:t>
             </a:fld>
             <a:endParaRPr lang="en-US"/>
           </a:p>
@@ -2080,7 +2081,7 @@
             <a:fld id="{4F4F44D1-DFF6-42E3-B6D2-C59DF4D8DCF9}" type="datetimeFigureOut">
               <a:rPr lang="en-US" smtClean="0"/>
               <a:pPr/>
-              <a:t>4/23/2021</a:t>
+              <a:t>4/24/2021</a:t>
             </a:fld>
             <a:endParaRPr lang="en-US"/>
           </a:p>
@@ -2469,7 +2470,7 @@
             <a:fld id="{4F4F44D1-DFF6-42E3-B6D2-C59DF4D8DCF9}" type="datetimeFigureOut">
               <a:rPr lang="en-US" smtClean="0"/>
               <a:pPr/>
-              <a:t>4/23/2021</a:t>
+              <a:t>4/24/2021</a:t>
             </a:fld>
             <a:endParaRPr lang="en-US"/>
           </a:p>
@@ -2641,7 +2642,7 @@
             <a:fld id="{4F4F44D1-DFF6-42E3-B6D2-C59DF4D8DCF9}" type="datetimeFigureOut">
               <a:rPr lang="en-US" smtClean="0"/>
               <a:pPr/>
-              <a:t>4/23/2021</a:t>
+              <a:t>4/24/2021</a:t>
             </a:fld>
             <a:endParaRPr lang="en-US"/>
           </a:p>
@@ -2823,7 +2824,7 @@
             <a:fld id="{4F4F44D1-DFF6-42E3-B6D2-C59DF4D8DCF9}" type="datetimeFigureOut">
               <a:rPr lang="en-US" smtClean="0"/>
               <a:pPr/>
-              <a:t>4/23/2021</a:t>
+              <a:t>4/24/2021</a:t>
             </a:fld>
             <a:endParaRPr lang="en-US"/>
           </a:p>
@@ -3001,7 +3002,7 @@
             <a:fld id="{4F4F44D1-DFF6-42E3-B6D2-C59DF4D8DCF9}" type="datetimeFigureOut">
               <a:rPr lang="en-US" smtClean="0"/>
               <a:pPr/>
-              <a:t>4/23/2021</a:t>
+              <a:t>4/24/2021</a:t>
             </a:fld>
             <a:endParaRPr lang="en-US"/>
           </a:p>
@@ -3250,7 +3251,7 @@
             <a:fld id="{4F4F44D1-DFF6-42E3-B6D2-C59DF4D8DCF9}" type="datetimeFigureOut">
               <a:rPr lang="en-US" smtClean="0"/>
               <a:pPr/>
-              <a:t>4/23/2021</a:t>
+              <a:t>4/24/2021</a:t>
             </a:fld>
             <a:endParaRPr lang="en-US"/>
           </a:p>
@@ -3484,7 +3485,7 @@
             <a:fld id="{4F4F44D1-DFF6-42E3-B6D2-C59DF4D8DCF9}" type="datetimeFigureOut">
               <a:rPr lang="en-US" smtClean="0"/>
               <a:pPr/>
-              <a:t>4/23/2021</a:t>
+              <a:t>4/24/2021</a:t>
             </a:fld>
             <a:endParaRPr lang="en-US"/>
           </a:p>
@@ -3860,7 +3861,7 @@
             <a:fld id="{4F4F44D1-DFF6-42E3-B6D2-C59DF4D8DCF9}" type="datetimeFigureOut">
               <a:rPr lang="en-US" smtClean="0"/>
               <a:pPr/>
-              <a:t>4/23/2021</a:t>
+              <a:t>4/24/2021</a:t>
             </a:fld>
             <a:endParaRPr lang="en-US"/>
           </a:p>
@@ -3985,7 +3986,7 @@
             <a:fld id="{4F4F44D1-DFF6-42E3-B6D2-C59DF4D8DCF9}" type="datetimeFigureOut">
               <a:rPr lang="en-US" smtClean="0"/>
               <a:pPr/>
-              <a:t>4/23/2021</a:t>
+              <a:t>4/24/2021</a:t>
             </a:fld>
             <a:endParaRPr lang="en-US"/>
           </a:p>
@@ -4082,7 +4083,7 @@
             <a:fld id="{4F4F44D1-DFF6-42E3-B6D2-C59DF4D8DCF9}" type="datetimeFigureOut">
               <a:rPr lang="en-US" smtClean="0"/>
               <a:pPr/>
-              <a:t>4/23/2021</a:t>
+              <a:t>4/24/2021</a:t>
             </a:fld>
             <a:endParaRPr lang="en-US"/>
           </a:p>
@@ -4339,7 +4340,7 @@
             <a:fld id="{4F4F44D1-DFF6-42E3-B6D2-C59DF4D8DCF9}" type="datetimeFigureOut">
               <a:rPr lang="en-US" smtClean="0"/>
               <a:pPr/>
-              <a:t>4/23/2021</a:t>
+              <a:t>4/24/2021</a:t>
             </a:fld>
             <a:endParaRPr lang="en-US"/>
           </a:p>
@@ -4604,7 +4605,7 @@
             <a:fld id="{4F4F44D1-DFF6-42E3-B6D2-C59DF4D8DCF9}" type="datetimeFigureOut">
               <a:rPr lang="en-US" smtClean="0"/>
               <a:pPr/>
-              <a:t>4/23/2021</a:t>
+              <a:t>4/24/2021</a:t>
             </a:fld>
             <a:endParaRPr lang="en-US"/>
           </a:p>
@@ -5351,7 +5352,7 @@
             <a:fld id="{4F4F44D1-DFF6-42E3-B6D2-C59DF4D8DCF9}" type="datetimeFigureOut">
               <a:rPr lang="en-US" smtClean="0"/>
               <a:pPr/>
-              <a:t>4/23/2021</a:t>
+              <a:t>4/24/2021</a:t>
             </a:fld>
             <a:endParaRPr lang="en-US"/>
           </a:p>
@@ -5909,16 +5910,20 @@
                   <a:schemeClr val="tx1"/>
                 </a:solidFill>
               </a:rPr>
-              <a:t>Adversarial Attack detection Using </a:t>
-            </a:r>
-            <a:r>
+              <a:t>Adversarial Attack detection Using</a:t>
+            </a:r>
+            <a:br>
               <a:rPr lang="en-US" dirty="0">
                 <a:solidFill>
-                  <a:schemeClr val="bg2"/>
+                  <a:schemeClr val="tx1"/>
                 </a:solidFill>
               </a:rPr>
-              <a:t>SHAP</a:t>
-            </a:r>
+            </a:br>
+            <a:endParaRPr lang="en-US" dirty="0">
+              <a:solidFill>
+                <a:schemeClr val="tx1"/>
+              </a:solidFill>
+            </a:endParaRPr>
           </a:p>
         </p:txBody>
       </p:sp>
@@ -6008,8 +6013,8 @@
         </p:nvSpPr>
         <p:spPr>
           <a:xfrm>
-            <a:off x="7651028" y="2784453"/>
-            <a:ext cx="1773060" cy="923330"/>
+            <a:off x="4003454" y="2784453"/>
+            <a:ext cx="4098520" cy="923330"/>
           </a:xfrm>
           <a:prstGeom prst="rect">
             <a:avLst/>
@@ -6031,7 +6036,7 @@
                   </a:schemeClr>
                 </a:solidFill>
               </a:rPr>
-              <a:t>SHAP</a:t>
+              <a:t>LIME &amp; SHAP</a:t>
             </a:r>
             <a:endParaRPr lang="en-GB" sz="5400" dirty="0"/>
           </a:p>
@@ -6191,8 +6196,105 @@
                                   </p:childTnLst>
                                 </p:cTn>
                               </p:par>
+                            </p:childTnLst>
+                          </p:cTn>
+                        </p:par>
+                        <p:par>
+                          <p:cTn id="11" fill="hold">
+                            <p:stCondLst>
+                              <p:cond delay="1000"/>
+                            </p:stCondLst>
+                            <p:childTnLst>
                               <p:par>
-                                <p:cTn id="11" presetID="27" presetClass="emph" presetSubtype="0" repeatCount="indefinite" fill="remove" grpId="0" nodeType="withEffect">
+                                <p:cTn id="12" presetID="2" presetClass="entr" presetSubtype="8" fill="hold" grpId="0" nodeType="afterEffect">
+                                  <p:stCondLst>
+                                    <p:cond delay="0"/>
+                                  </p:stCondLst>
+                                  <p:iterate type="lt">
+                                    <p:tmPct val="0"/>
+                                  </p:iterate>
+                                  <p:childTnLst>
+                                    <p:set>
+                                      <p:cBhvr>
+                                        <p:cTn id="13" dur="1" fill="hold">
+                                          <p:stCondLst>
+                                            <p:cond delay="0"/>
+                                          </p:stCondLst>
+                                        </p:cTn>
+                                        <p:tgtEl>
+                                          <p:spTgt spid="3">
+                                            <p:txEl>
+                                              <p:pRg st="0" end="0"/>
+                                            </p:txEl>
+                                          </p:spTgt>
+                                        </p:tgtEl>
+                                        <p:attrNameLst>
+                                          <p:attrName>style.visibility</p:attrName>
+                                        </p:attrNameLst>
+                                      </p:cBhvr>
+                                      <p:to>
+                                        <p:strVal val="visible"/>
+                                      </p:to>
+                                    </p:set>
+                                    <p:anim calcmode="lin" valueType="num">
+                                      <p:cBhvr additive="base">
+                                        <p:cTn id="14" dur="500" fill="hold"/>
+                                        <p:tgtEl>
+                                          <p:spTgt spid="3">
+                                            <p:txEl>
+                                              <p:pRg st="0" end="0"/>
+                                            </p:txEl>
+                                          </p:spTgt>
+                                        </p:tgtEl>
+                                        <p:attrNameLst>
+                                          <p:attrName>ppt_x</p:attrName>
+                                        </p:attrNameLst>
+                                      </p:cBhvr>
+                                      <p:tavLst>
+                                        <p:tav tm="0">
+                                          <p:val>
+                                            <p:strVal val="0-#ppt_w/2"/>
+                                          </p:val>
+                                        </p:tav>
+                                        <p:tav tm="100000">
+                                          <p:val>
+                                            <p:strVal val="#ppt_x"/>
+                                          </p:val>
+                                        </p:tav>
+                                      </p:tavLst>
+                                    </p:anim>
+                                    <p:anim calcmode="lin" valueType="num">
+                                      <p:cBhvr additive="base">
+                                        <p:cTn id="15" dur="500" fill="hold"/>
+                                        <p:tgtEl>
+                                          <p:spTgt spid="3">
+                                            <p:txEl>
+                                              <p:pRg st="0" end="0"/>
+                                            </p:txEl>
+                                          </p:spTgt>
+                                        </p:tgtEl>
+                                        <p:attrNameLst>
+                                          <p:attrName>ppt_y</p:attrName>
+                                        </p:attrNameLst>
+                                      </p:cBhvr>
+                                      <p:tavLst>
+                                        <p:tav tm="0">
+                                          <p:val>
+                                            <p:strVal val="#ppt_y"/>
+                                          </p:val>
+                                        </p:tav>
+                                        <p:tav tm="100000">
+                                          <p:val>
+                                            <p:strVal val="#ppt_y"/>
+                                          </p:val>
+                                        </p:tav>
+                                      </p:tavLst>
+                                    </p:anim>
+                                  </p:childTnLst>
+                                </p:cTn>
+                              </p:par>
+                              <p:par>
+                                <p:cTn id="16" presetID="27" presetClass="emph" presetSubtype="0" repeatCount="indefinite" fill="remove" grpId="0" nodeType="withEffect">
                                   <p:stCondLst>
                                     <p:cond delay="0"/>
                                   </p:stCondLst>
@@ -6202,7 +6304,7 @@
                                   <p:childTnLst>
                                     <p:animClr clrSpc="rgb" dir="cw">
                                       <p:cBhvr override="childStyle">
-                                        <p:cTn id="12" dur="250" autoRev="1" fill="remove"/>
+                                        <p:cTn id="17" dur="250" autoRev="1" fill="remove"/>
                                         <p:tgtEl>
                                           <p:spTgt spid="6"/>
                                         </p:tgtEl>
@@ -6216,7 +6318,7 @@
                                     </p:animClr>
                                     <p:animClr clrSpc="rgb" dir="cw">
                                       <p:cBhvr>
-                                        <p:cTn id="13" dur="250" autoRev="1" fill="remove"/>
+                                        <p:cTn id="18" dur="250" autoRev="1" fill="remove"/>
                                         <p:tgtEl>
                                           <p:spTgt spid="6"/>
                                         </p:tgtEl>
@@ -6230,7 +6332,7 @@
                                     </p:animClr>
                                     <p:set>
                                       <p:cBhvr>
-                                        <p:cTn id="14" dur="250" autoRev="1" fill="remove"/>
+                                        <p:cTn id="19" dur="250" autoRev="1" fill="remove"/>
                                         <p:tgtEl>
                                           <p:spTgt spid="6"/>
                                         </p:tgtEl>
@@ -6244,7 +6346,7 @@
                                     </p:set>
                                     <p:set>
                                       <p:cBhvr>
-                                        <p:cTn id="15" dur="250" autoRev="1" fill="remove"/>
+                                        <p:cTn id="20" dur="250" autoRev="1" fill="remove"/>
                                         <p:tgtEl>
                                           <p:spTgt spid="6"/>
                                         </p:tgtEl>
@@ -6263,106 +6365,9 @@
                           </p:cTn>
                         </p:par>
                         <p:par>
-                          <p:cTn id="16" fill="hold">
-                            <p:stCondLst>
-                              <p:cond delay="1000"/>
-                            </p:stCondLst>
-                            <p:childTnLst>
-                              <p:par>
-                                <p:cTn id="17" presetID="2" presetClass="entr" presetSubtype="8" fill="hold" grpId="0" nodeType="afterEffect">
-                                  <p:stCondLst>
-                                    <p:cond delay="0"/>
-                                  </p:stCondLst>
-                                  <p:iterate type="lt">
-                                    <p:tmPct val="0"/>
-                                  </p:iterate>
-                                  <p:childTnLst>
-                                    <p:set>
-                                      <p:cBhvr>
-                                        <p:cTn id="18" dur="1" fill="hold">
-                                          <p:stCondLst>
-                                            <p:cond delay="0"/>
-                                          </p:stCondLst>
-                                        </p:cTn>
-                                        <p:tgtEl>
-                                          <p:spTgt spid="3">
-                                            <p:txEl>
-                                              <p:pRg st="0" end="0"/>
-                                            </p:txEl>
-                                          </p:spTgt>
-                                        </p:tgtEl>
-                                        <p:attrNameLst>
-                                          <p:attrName>style.visibility</p:attrName>
-                                        </p:attrNameLst>
-                                      </p:cBhvr>
-                                      <p:to>
-                                        <p:strVal val="visible"/>
-                                      </p:to>
-                                    </p:set>
-                                    <p:anim calcmode="lin" valueType="num">
-                                      <p:cBhvr additive="base">
-                                        <p:cTn id="19" dur="500" fill="hold"/>
-                                        <p:tgtEl>
-                                          <p:spTgt spid="3">
-                                            <p:txEl>
-                                              <p:pRg st="0" end="0"/>
-                                            </p:txEl>
-                                          </p:spTgt>
-                                        </p:tgtEl>
-                                        <p:attrNameLst>
-                                          <p:attrName>ppt_x</p:attrName>
-                                        </p:attrNameLst>
-                                      </p:cBhvr>
-                                      <p:tavLst>
-                                        <p:tav tm="0">
-                                          <p:val>
-                                            <p:strVal val="0-#ppt_w/2"/>
-                                          </p:val>
-                                        </p:tav>
-                                        <p:tav tm="100000">
-                                          <p:val>
-                                            <p:strVal val="#ppt_x"/>
-                                          </p:val>
-                                        </p:tav>
-                                      </p:tavLst>
-                                    </p:anim>
-                                    <p:anim calcmode="lin" valueType="num">
-                                      <p:cBhvr additive="base">
-                                        <p:cTn id="20" dur="500" fill="hold"/>
-                                        <p:tgtEl>
-                                          <p:spTgt spid="3">
-                                            <p:txEl>
-                                              <p:pRg st="0" end="0"/>
-                                            </p:txEl>
-                                          </p:spTgt>
-                                        </p:tgtEl>
-                                        <p:attrNameLst>
-                                          <p:attrName>ppt_y</p:attrName>
-                                        </p:attrNameLst>
-                                      </p:cBhvr>
-                                      <p:tavLst>
-                                        <p:tav tm="0">
-                                          <p:val>
-                                            <p:strVal val="#ppt_y"/>
-                                          </p:val>
-                                        </p:tav>
-                                        <p:tav tm="100000">
-                                          <p:val>
-                                            <p:strVal val="#ppt_y"/>
-                                          </p:val>
-                                        </p:tav>
-                                      </p:tavLst>
-                                    </p:anim>
-                                  </p:childTnLst>
-                                </p:cTn>
-                              </p:par>
-                            </p:childTnLst>
-                          </p:cTn>
-                        </p:par>
-                        <p:par>
                           <p:cTn id="21" fill="hold">
                             <p:stCondLst>
-                              <p:cond delay="1500"/>
+                              <p:cond delay="1900"/>
                             </p:stCondLst>
                             <p:childTnLst>
                               <p:par>
@@ -6543,25 +6548,59 @@
           <a:lstStyle/>
           <a:p>
             <a:r>
-              <a:rPr lang="en-US" sz="2000" dirty="0"/>
-              <a:t>Working of SHAP</a:t>
-            </a:r>
-          </a:p>
-          <a:p>
-            <a:r>
-              <a:rPr lang="en-US" sz="2000" dirty="0"/>
-              <a:t>Code Implementation</a:t>
-            </a:r>
-          </a:p>
-          <a:p>
-            <a:r>
-              <a:rPr lang="en-US" sz="2000" dirty="0"/>
-              <a:t>Example of an Outcome</a:t>
-            </a:r>
-          </a:p>
-          <a:p>
-            <a:r>
-              <a:rPr lang="en-US" sz="2000" dirty="0"/>
+              <a:rPr lang="en-US" sz="2400" dirty="0"/>
+              <a:t>Working of </a:t>
+            </a:r>
+            <a:r>
+              <a:rPr lang="en-US" sz="2400" dirty="0">
+                <a:solidFill>
+                  <a:schemeClr val="accent4"/>
+                </a:solidFill>
+              </a:rPr>
+              <a:t>LIME</a:t>
+            </a:r>
+          </a:p>
+          <a:p>
+            <a:r>
+              <a:rPr lang="en-US" sz="2400" dirty="0"/>
+              <a:t>Working of </a:t>
+            </a:r>
+            <a:r>
+              <a:rPr lang="en-US" sz="2400" dirty="0">
+                <a:solidFill>
+                  <a:schemeClr val="accent4"/>
+                </a:solidFill>
+              </a:rPr>
+              <a:t>SHAP</a:t>
+            </a:r>
+          </a:p>
+          <a:p>
+            <a:r>
+              <a:rPr lang="en-US" sz="2400" dirty="0"/>
+              <a:t>Example of an </a:t>
+            </a:r>
+            <a:r>
+              <a:rPr lang="en-US" sz="2400" dirty="0">
+                <a:solidFill>
+                  <a:schemeClr val="accent4"/>
+                </a:solidFill>
+              </a:rPr>
+              <a:t>Outcome</a:t>
+            </a:r>
+          </a:p>
+          <a:p>
+            <a:r>
+              <a:rPr lang="en-US" sz="2400" dirty="0">
+                <a:solidFill>
+                  <a:schemeClr val="accent4"/>
+                </a:solidFill>
+              </a:rPr>
+              <a:t>Adversarial Attacked</a:t>
+            </a:r>
+          </a:p>
+          <a:p>
+            <a:r>
+              <a:rPr lang="en-US" sz="2400" dirty="0"/>
               <a:t>Conclusion</a:t>
             </a:r>
           </a:p>
@@ -7072,6 +7111,100 @@
                             </p:childTnLst>
                           </p:cTn>
                         </p:par>
+                        <p:par>
+                          <p:cTn id="30" fill="hold">
+                            <p:stCondLst>
+                              <p:cond delay="2500"/>
+                            </p:stCondLst>
+                            <p:childTnLst>
+                              <p:par>
+                                <p:cTn id="31" presetID="2" presetClass="entr" presetSubtype="4" fill="hold" grpId="0" nodeType="afterEffect">
+                                  <p:stCondLst>
+                                    <p:cond delay="0"/>
+                                  </p:stCondLst>
+                                  <p:childTnLst>
+                                    <p:set>
+                                      <p:cBhvr>
+                                        <p:cTn id="32" dur="1" fill="hold">
+                                          <p:stCondLst>
+                                            <p:cond delay="0"/>
+                                          </p:stCondLst>
+                                        </p:cTn>
+                                        <p:tgtEl>
+                                          <p:spTgt spid="3">
+                                            <p:txEl>
+                                              <p:pRg st="4" end="4"/>
+                                            </p:txEl>
+                                          </p:spTgt>
+                                        </p:tgtEl>
+                                        <p:attrNameLst>
+                                          <p:attrName>style.visibility</p:attrName>
+                                        </p:attrNameLst>
+                                      </p:cBhvr>
+                                      <p:to>
+                                        <p:strVal val="visible"/>
+                                      </p:to>
+                                    </p:set>
+                                    <p:anim calcmode="lin" valueType="num">
+                                      <p:cBhvr additive="base">
+                                        <p:cTn id="33" dur="500" fill="hold"/>
+                                        <p:tgtEl>
+                                          <p:spTgt spid="3">
+                                            <p:txEl>
+                                              <p:pRg st="4" end="4"/>
+                                            </p:txEl>
+                                          </p:spTgt>
+                                        </p:tgtEl>
+                                        <p:attrNameLst>
+                                          <p:attrName>ppt_x</p:attrName>
+                                        </p:attrNameLst>
+                                      </p:cBhvr>
+                                      <p:tavLst>
+                                        <p:tav tm="0">
+                                          <p:val>
+                                            <p:strVal val="#ppt_x"/>
+                                          </p:val>
+                                        </p:tav>
+                                        <p:tav tm="100000">
+                                          <p:val>
+                                            <p:strVal val="#ppt_x"/>
+                                          </p:val>
+                                        </p:tav>
+                                      </p:tavLst>
+                                    </p:anim>
+                                    <p:anim calcmode="lin" valueType="num">
+                                      <p:cBhvr additive="base">
+                                        <p:cTn id="34" dur="500" fill="hold"/>
+                                        <p:tgtEl>
+                                          <p:spTgt spid="3">
+                                            <p:txEl>
+                                              <p:pRg st="4" end="4"/>
+                                            </p:txEl>
+                                          </p:spTgt>
+                                        </p:tgtEl>
+                                        <p:attrNameLst>
+                                          <p:attrName>ppt_y</p:attrName>
+                                        </p:attrNameLst>
+                                      </p:cBhvr>
+                                      <p:tavLst>
+                                        <p:tav tm="0">
+                                          <p:val>
+                                            <p:strVal val="1+#ppt_h/2"/>
+                                          </p:val>
+                                        </p:tav>
+                                        <p:tav tm="100000">
+                                          <p:val>
+                                            <p:strVal val="#ppt_y"/>
+                                          </p:val>
+                                        </p:tav>
+                                      </p:tavLst>
+                                    </p:anim>
+                                  </p:childTnLst>
+                                </p:cTn>
+                              </p:par>
+                            </p:childTnLst>
+                          </p:cTn>
+                        </p:par>
                       </p:childTnLst>
                     </p:cTn>
                   </p:par>
@@ -7121,6 +7254,36 @@
           <a:chExt cx="0" cy="0"/>
         </a:xfrm>
       </p:grpSpPr>
+      <p:pic>
+        <p:nvPicPr>
+          <p:cNvPr id="5" name="Picture 4">
+            <a:extLst>
+              <a:ext uri="{FF2B5EF4-FFF2-40B4-BE49-F238E27FC236}">
+                <a16:creationId xmlns:a16="http://schemas.microsoft.com/office/drawing/2014/main" id="{5B200118-F515-4E8D-8909-0B0DB0117BD6}"/>
+              </a:ext>
+            </a:extLst>
+          </p:cNvPr>
+          <p:cNvPicPr>
+            <a:picLocks noChangeAspect="1"/>
+          </p:cNvPicPr>
+          <p:nvPr/>
+        </p:nvPicPr>
+        <p:blipFill>
+          <a:blip r:embed="rId2"/>
+          <a:stretch>
+            <a:fillRect/>
+          </a:stretch>
+        </p:blipFill>
+        <p:spPr>
+          <a:xfrm>
+            <a:off x="2761784" y="4479831"/>
+            <a:ext cx="6668431" cy="2067213"/>
+          </a:xfrm>
+          <a:prstGeom prst="rect">
+            <a:avLst/>
+          </a:prstGeom>
+        </p:spPr>
+      </p:pic>
       <p:sp>
         <p:nvSpPr>
           <p:cNvPr id="2" name="Title 1">
@@ -7144,7 +7307,7 @@
           <a:p>
             <a:r>
               <a:rPr lang="en-US" dirty="0"/>
-              <a:t>Working of SHAP</a:t>
+              <a:t>Working of LIME</a:t>
             </a:r>
           </a:p>
         </p:txBody>
@@ -7167,8 +7330,8 @@
         </p:nvSpPr>
         <p:spPr>
           <a:xfrm>
-            <a:off x="677336" y="2160589"/>
-            <a:ext cx="6755852" cy="3880773"/>
+            <a:off x="677335" y="2160589"/>
+            <a:ext cx="9813684" cy="3880773"/>
           </a:xfrm>
         </p:spPr>
         <p:txBody>
@@ -7179,40 +7342,137 @@
           <a:p>
             <a:r>
               <a:rPr lang="en-US" sz="2000" dirty="0"/>
-              <a:t>It is the average of the marginal contributions across all permutations.</a:t>
-            </a:r>
-          </a:p>
-          <a:p>
+              <a:t>The technique </a:t>
+            </a:r>
+            <a:r>
+              <a:rPr lang="en-US" sz="2000" dirty="0">
+                <a:solidFill>
+                  <a:schemeClr val="accent4"/>
+                </a:solidFill>
+              </a:rPr>
+              <a:t>attempts to </a:t>
+            </a:r>
             <a:r>
               <a:rPr lang="en-US" sz="2000" dirty="0"/>
-              <a:t>Advantages of SHAP</a:t>
-            </a:r>
-          </a:p>
-          <a:p>
-            <a:pPr lvl="1"/>
-            <a:r>
-              <a:rPr lang="en-GB" sz="1800" dirty="0"/>
-              <a:t>Global interpretability</a:t>
-            </a:r>
-          </a:p>
-          <a:p>
-            <a:pPr lvl="1"/>
-            <a:r>
-              <a:rPr lang="en-GB" sz="1800" dirty="0"/>
-              <a:t>Local interpretability</a:t>
-            </a:r>
-          </a:p>
-          <a:p>
-            <a:pPr lvl="1"/>
-            <a:r>
-              <a:rPr lang="en-US" sz="1800" dirty="0"/>
-              <a:t>SHAP values can be calculated for any tree-based model</a:t>
-            </a:r>
-          </a:p>
-          <a:p>
+              <a:t>understand the model by </a:t>
+            </a:r>
+            <a:r>
+              <a:rPr lang="en-US" sz="2000" dirty="0">
+                <a:solidFill>
+                  <a:schemeClr val="accent1"/>
+                </a:solidFill>
+              </a:rPr>
+              <a:t>perturbing the input of data samples</a:t>
+            </a:r>
             <a:r>
               <a:rPr lang="en-US" sz="2000" dirty="0"/>
-              <a:t>SHAP values do not provide causality</a:t>
+              <a:t> and </a:t>
+            </a:r>
+            <a:r>
+              <a:rPr lang="en-US" sz="2000" dirty="0">
+                <a:solidFill>
+                  <a:schemeClr val="accent1"/>
+                </a:solidFill>
+              </a:rPr>
+              <a:t>understanding how the predictions change</a:t>
+            </a:r>
+            <a:r>
+              <a:rPr lang="en-US" sz="2000" dirty="0"/>
+              <a:t>.</a:t>
+            </a:r>
+          </a:p>
+          <a:p>
+            <a:r>
+              <a:rPr lang="en-US" sz="2000" dirty="0"/>
+              <a:t>LIME </a:t>
+            </a:r>
+            <a:r>
+              <a:rPr lang="en-US" sz="2000" dirty="0">
+                <a:solidFill>
+                  <a:schemeClr val="accent4"/>
+                </a:solidFill>
+              </a:rPr>
+              <a:t>modifies a single data sample </a:t>
+            </a:r>
+            <a:r>
+              <a:rPr lang="en-US" sz="2000" dirty="0"/>
+              <a:t>by </a:t>
+            </a:r>
+            <a:r>
+              <a:rPr lang="en-US" sz="2000" dirty="0">
+                <a:solidFill>
+                  <a:schemeClr val="accent1"/>
+                </a:solidFill>
+              </a:rPr>
+              <a:t>tweaking the feature values</a:t>
+            </a:r>
+            <a:r>
+              <a:rPr lang="en-US" sz="2000" dirty="0"/>
+              <a:t> and </a:t>
+            </a:r>
+            <a:r>
+              <a:rPr lang="en-US" sz="2000" dirty="0">
+                <a:solidFill>
+                  <a:schemeClr val="accent1"/>
+                </a:solidFill>
+              </a:rPr>
+              <a:t>observes the resulting impact on the output</a:t>
+            </a:r>
+            <a:r>
+              <a:rPr lang="en-US" sz="2000" dirty="0"/>
+              <a:t>.</a:t>
+            </a:r>
+          </a:p>
+          <a:p>
+            <a:r>
+              <a:rPr lang="en-US" sz="2000" dirty="0"/>
+              <a:t>It </a:t>
+            </a:r>
+            <a:r>
+              <a:rPr lang="en-US" sz="2000" dirty="0">
+                <a:solidFill>
+                  <a:schemeClr val="accent1"/>
+                </a:solidFill>
+              </a:rPr>
+              <a:t>allows verification </a:t>
+            </a:r>
+            <a:r>
+              <a:rPr lang="en-US" sz="2000" dirty="0"/>
+              <a:t>of hypotheses and whether </a:t>
+            </a:r>
+            <a:r>
+              <a:rPr lang="en-US" sz="2000" dirty="0">
+                <a:solidFill>
+                  <a:schemeClr val="accent4"/>
+                </a:solidFill>
+              </a:rPr>
+              <a:t>the model is overfitting to noise</a:t>
+            </a:r>
+          </a:p>
+          <a:p>
+            <a:r>
+              <a:rPr lang="en-US" sz="2000" dirty="0">
+                <a:solidFill>
+                  <a:schemeClr val="accent3"/>
+                </a:solidFill>
+              </a:rPr>
+              <a:t>But</a:t>
+            </a:r>
+            <a:r>
+              <a:rPr lang="en-US" sz="2000" dirty="0"/>
+              <a:t> it is </a:t>
+            </a:r>
+            <a:r>
+              <a:rPr lang="en-US" sz="2000" dirty="0">
+                <a:solidFill>
+                  <a:schemeClr val="accent4"/>
+                </a:solidFill>
+              </a:rPr>
+              <a:t>hard to diagnose specific model predictions</a:t>
+            </a:r>
+            <a:r>
+              <a:rPr lang="en-US" sz="2000" dirty="0"/>
+              <a:t>.</a:t>
             </a:r>
           </a:p>
         </p:txBody>
@@ -7220,7 +7480,7 @@
     </p:spTree>
     <p:extLst>
       <p:ext uri="{BB962C8B-B14F-4D97-AF65-F5344CB8AC3E}">
-        <p14:creationId xmlns:p14="http://schemas.microsoft.com/office/powerpoint/2010/main" val="654228330"/>
+        <p14:creationId xmlns:p14="http://schemas.microsoft.com/office/powerpoint/2010/main" val="2698371501"/>
       </p:ext>
     </p:extLst>
   </p:cSld>
@@ -7353,7 +7613,7 @@
                             </p:stCondLst>
                             <p:childTnLst>
                               <p:par>
-                                <p:cTn id="11" presetID="2" presetClass="entr" presetSubtype="4" fill="hold" grpId="0" nodeType="afterEffect">
+                                <p:cTn id="11" presetID="37" presetClass="entr" presetSubtype="0" fill="hold" nodeType="afterEffect">
                                   <p:stCondLst>
                                     <p:cond delay="0"/>
                                   </p:stCondLst>
@@ -7366,6 +7626,114 @@
                                           </p:stCondLst>
                                         </p:cTn>
                                         <p:tgtEl>
+                                          <p:spTgt spid="5"/>
+                                        </p:tgtEl>
+                                        <p:attrNameLst>
+                                          <p:attrName>style.visibility</p:attrName>
+                                        </p:attrNameLst>
+                                      </p:cBhvr>
+                                      <p:to>
+                                        <p:strVal val="visible"/>
+                                      </p:to>
+                                    </p:set>
+                                    <p:animEffect transition="in" filter="fade">
+                                      <p:cBhvr>
+                                        <p:cTn id="13" dur="1000"/>
+                                        <p:tgtEl>
+                                          <p:spTgt spid="5"/>
+                                        </p:tgtEl>
+                                      </p:cBhvr>
+                                    </p:animEffect>
+                                    <p:anim calcmode="lin" valueType="num">
+                                      <p:cBhvr>
+                                        <p:cTn id="14" dur="1000" fill="hold"/>
+                                        <p:tgtEl>
+                                          <p:spTgt spid="5"/>
+                                        </p:tgtEl>
+                                        <p:attrNameLst>
+                                          <p:attrName>ppt_x</p:attrName>
+                                        </p:attrNameLst>
+                                      </p:cBhvr>
+                                      <p:tavLst>
+                                        <p:tav tm="0">
+                                          <p:val>
+                                            <p:strVal val="#ppt_x"/>
+                                          </p:val>
+                                        </p:tav>
+                                        <p:tav tm="100000">
+                                          <p:val>
+                                            <p:strVal val="#ppt_x"/>
+                                          </p:val>
+                                        </p:tav>
+                                      </p:tavLst>
+                                    </p:anim>
+                                    <p:anim calcmode="lin" valueType="num">
+                                      <p:cBhvr>
+                                        <p:cTn id="15" dur="900" decel="100000" fill="hold"/>
+                                        <p:tgtEl>
+                                          <p:spTgt spid="5"/>
+                                        </p:tgtEl>
+                                        <p:attrNameLst>
+                                          <p:attrName>ppt_y</p:attrName>
+                                        </p:attrNameLst>
+                                      </p:cBhvr>
+                                      <p:tavLst>
+                                        <p:tav tm="0">
+                                          <p:val>
+                                            <p:strVal val="#ppt_y+1"/>
+                                          </p:val>
+                                        </p:tav>
+                                        <p:tav tm="100000">
+                                          <p:val>
+                                            <p:strVal val="#ppt_y-.03"/>
+                                          </p:val>
+                                        </p:tav>
+                                      </p:tavLst>
+                                    </p:anim>
+                                    <p:anim calcmode="lin" valueType="num">
+                                      <p:cBhvr>
+                                        <p:cTn id="16" dur="100" accel="100000" fill="hold">
+                                          <p:stCondLst>
+                                            <p:cond delay="900"/>
+                                          </p:stCondLst>
+                                        </p:cTn>
+                                        <p:tgtEl>
+                                          <p:spTgt spid="5"/>
+                                        </p:tgtEl>
+                                        <p:attrNameLst>
+                                          <p:attrName>ppt_y</p:attrName>
+                                        </p:attrNameLst>
+                                      </p:cBhvr>
+                                      <p:tavLst>
+                                        <p:tav tm="0">
+                                          <p:val>
+                                            <p:strVal val="#ppt_y-.03"/>
+                                          </p:val>
+                                        </p:tav>
+                                        <p:tav tm="100000">
+                                          <p:val>
+                                            <p:strVal val="#ppt_y"/>
+                                          </p:val>
+                                        </p:tav>
+                                      </p:tavLst>
+                                    </p:anim>
+                                  </p:childTnLst>
+                                </p:cTn>
+                              </p:par>
+                              <p:par>
+                                <p:cTn id="17" presetID="2" presetClass="entr" presetSubtype="4" fill="hold" grpId="0" nodeType="withEffect">
+                                  <p:stCondLst>
+                                    <p:cond delay="0"/>
+                                  </p:stCondLst>
+                                  <p:childTnLst>
+                                    <p:set>
+                                      <p:cBhvr>
+                                        <p:cTn id="18" dur="1" fill="hold">
+                                          <p:stCondLst>
+                                            <p:cond delay="0"/>
+                                          </p:stCondLst>
+                                        </p:cTn>
+                                        <p:tgtEl>
                                           <p:spTgt spid="3">
                                             <p:txEl>
                                               <p:pRg st="0" end="0"/>
@@ -7382,7 +7750,7 @@
                                     </p:set>
                                     <p:anim calcmode="lin" valueType="num">
                                       <p:cBhvr additive="base">
-                                        <p:cTn id="13" dur="500" fill="hold"/>
+                                        <p:cTn id="19" dur="500" fill="hold"/>
                                         <p:tgtEl>
                                           <p:spTgt spid="3">
                                             <p:txEl>
@@ -7409,7 +7777,7 @@
                                     </p:anim>
                                     <p:anim calcmode="lin" valueType="num">
                                       <p:cBhvr additive="base">
-                                        <p:cTn id="14" dur="500" fill="hold"/>
+                                        <p:cTn id="20" dur="500" fill="hold"/>
                                         <p:tgtEl>
                                           <p:spTgt spid="3">
                                             <p:txEl>
@@ -7441,20 +7809,20 @@
                           </p:cTn>
                         </p:par>
                         <p:par>
-                          <p:cTn id="15" fill="hold">
+                          <p:cTn id="21" fill="hold">
                             <p:stCondLst>
-                              <p:cond delay="1000"/>
+                              <p:cond delay="1500"/>
                             </p:stCondLst>
                             <p:childTnLst>
                               <p:par>
-                                <p:cTn id="16" presetID="2" presetClass="entr" presetSubtype="4" fill="hold" grpId="0" nodeType="afterEffect">
+                                <p:cTn id="22" presetID="2" presetClass="entr" presetSubtype="4" fill="hold" grpId="0" nodeType="afterEffect">
                                   <p:stCondLst>
                                     <p:cond delay="0"/>
                                   </p:stCondLst>
                                   <p:childTnLst>
                                     <p:set>
                                       <p:cBhvr>
-                                        <p:cTn id="17" dur="1" fill="hold">
+                                        <p:cTn id="23" dur="1" fill="hold">
                                           <p:stCondLst>
                                             <p:cond delay="0"/>
                                           </p:stCondLst>
@@ -7476,7 +7844,7 @@
                                     </p:set>
                                     <p:anim calcmode="lin" valueType="num">
                                       <p:cBhvr additive="base">
-                                        <p:cTn id="18" dur="500" fill="hold"/>
+                                        <p:cTn id="24" dur="500" fill="hold"/>
                                         <p:tgtEl>
                                           <p:spTgt spid="3">
                                             <p:txEl>
@@ -7503,7 +7871,7 @@
                                     </p:anim>
                                     <p:anim calcmode="lin" valueType="num">
                                       <p:cBhvr additive="base">
-                                        <p:cTn id="19" dur="500" fill="hold"/>
+                                        <p:cTn id="25" dur="500" fill="hold"/>
                                         <p:tgtEl>
                                           <p:spTgt spid="3">
                                             <p:txEl>
@@ -7535,20 +7903,20 @@
                           </p:cTn>
                         </p:par>
                         <p:par>
-                          <p:cTn id="20" fill="hold">
+                          <p:cTn id="26" fill="hold">
                             <p:stCondLst>
-                              <p:cond delay="1500"/>
+                              <p:cond delay="2000"/>
                             </p:stCondLst>
                             <p:childTnLst>
                               <p:par>
-                                <p:cTn id="21" presetID="2" presetClass="entr" presetSubtype="4" fill="hold" grpId="0" nodeType="afterEffect">
+                                <p:cTn id="27" presetID="2" presetClass="entr" presetSubtype="4" fill="hold" grpId="0" nodeType="afterEffect">
                                   <p:stCondLst>
                                     <p:cond delay="0"/>
                                   </p:stCondLst>
                                   <p:childTnLst>
                                     <p:set>
                                       <p:cBhvr>
-                                        <p:cTn id="22" dur="1" fill="hold">
+                                        <p:cTn id="28" dur="1" fill="hold">
                                           <p:stCondLst>
                                             <p:cond delay="0"/>
                                           </p:stCondLst>
@@ -7570,7 +7938,7 @@
                                     </p:set>
                                     <p:anim calcmode="lin" valueType="num">
                                       <p:cBhvr additive="base">
-                                        <p:cTn id="23" dur="500" fill="hold"/>
+                                        <p:cTn id="29" dur="500" fill="hold"/>
                                         <p:tgtEl>
                                           <p:spTgt spid="3">
                                             <p:txEl>
@@ -7597,7 +7965,7 @@
                                     </p:anim>
                                     <p:anim calcmode="lin" valueType="num">
                                       <p:cBhvr additive="base">
-                                        <p:cTn id="24" dur="500" fill="hold"/>
+                                        <p:cTn id="30" dur="500" fill="hold"/>
                                         <p:tgtEl>
                                           <p:spTgt spid="3">
                                             <p:txEl>
@@ -7629,20 +7997,20 @@
                           </p:cTn>
                         </p:par>
                         <p:par>
-                          <p:cTn id="25" fill="hold">
+                          <p:cTn id="31" fill="hold">
                             <p:stCondLst>
-                              <p:cond delay="2000"/>
+                              <p:cond delay="2500"/>
                             </p:stCondLst>
                             <p:childTnLst>
                               <p:par>
-                                <p:cTn id="26" presetID="2" presetClass="entr" presetSubtype="4" fill="hold" grpId="0" nodeType="afterEffect">
+                                <p:cTn id="32" presetID="2" presetClass="entr" presetSubtype="4" fill="hold" grpId="0" nodeType="afterEffect">
                                   <p:stCondLst>
                                     <p:cond delay="0"/>
                                   </p:stCondLst>
                                   <p:childTnLst>
                                     <p:set>
                                       <p:cBhvr>
-                                        <p:cTn id="27" dur="1" fill="hold">
+                                        <p:cTn id="33" dur="1" fill="hold">
                                           <p:stCondLst>
                                             <p:cond delay="0"/>
                                           </p:stCondLst>
@@ -7664,7 +8032,7 @@
                                     </p:set>
                                     <p:anim calcmode="lin" valueType="num">
                                       <p:cBhvr additive="base">
-                                        <p:cTn id="28" dur="500" fill="hold"/>
+                                        <p:cTn id="34" dur="500" fill="hold"/>
                                         <p:tgtEl>
                                           <p:spTgt spid="3">
                                             <p:txEl>
@@ -7691,199 +8059,11 @@
                                     </p:anim>
                                     <p:anim calcmode="lin" valueType="num">
                                       <p:cBhvr additive="base">
-                                        <p:cTn id="29" dur="500" fill="hold"/>
+                                        <p:cTn id="35" dur="500" fill="hold"/>
                                         <p:tgtEl>
                                           <p:spTgt spid="3">
                                             <p:txEl>
                                               <p:pRg st="3" end="3"/>
-                                            </p:txEl>
-                                          </p:spTgt>
-                                        </p:tgtEl>
-                                        <p:attrNameLst>
-                                          <p:attrName>ppt_y</p:attrName>
-                                        </p:attrNameLst>
-                                      </p:cBhvr>
-                                      <p:tavLst>
-                                        <p:tav tm="0">
-                                          <p:val>
-                                            <p:strVal val="1+#ppt_h/2"/>
-                                          </p:val>
-                                        </p:tav>
-                                        <p:tav tm="100000">
-                                          <p:val>
-                                            <p:strVal val="#ppt_y"/>
-                                          </p:val>
-                                        </p:tav>
-                                      </p:tavLst>
-                                    </p:anim>
-                                  </p:childTnLst>
-                                </p:cTn>
-                              </p:par>
-                            </p:childTnLst>
-                          </p:cTn>
-                        </p:par>
-                        <p:par>
-                          <p:cTn id="30" fill="hold">
-                            <p:stCondLst>
-                              <p:cond delay="2500"/>
-                            </p:stCondLst>
-                            <p:childTnLst>
-                              <p:par>
-                                <p:cTn id="31" presetID="2" presetClass="entr" presetSubtype="4" fill="hold" grpId="0" nodeType="afterEffect">
-                                  <p:stCondLst>
-                                    <p:cond delay="0"/>
-                                  </p:stCondLst>
-                                  <p:childTnLst>
-                                    <p:set>
-                                      <p:cBhvr>
-                                        <p:cTn id="32" dur="1" fill="hold">
-                                          <p:stCondLst>
-                                            <p:cond delay="0"/>
-                                          </p:stCondLst>
-                                        </p:cTn>
-                                        <p:tgtEl>
-                                          <p:spTgt spid="3">
-                                            <p:txEl>
-                                              <p:pRg st="4" end="4"/>
-                                            </p:txEl>
-                                          </p:spTgt>
-                                        </p:tgtEl>
-                                        <p:attrNameLst>
-                                          <p:attrName>style.visibility</p:attrName>
-                                        </p:attrNameLst>
-                                      </p:cBhvr>
-                                      <p:to>
-                                        <p:strVal val="visible"/>
-                                      </p:to>
-                                    </p:set>
-                                    <p:anim calcmode="lin" valueType="num">
-                                      <p:cBhvr additive="base">
-                                        <p:cTn id="33" dur="500" fill="hold"/>
-                                        <p:tgtEl>
-                                          <p:spTgt spid="3">
-                                            <p:txEl>
-                                              <p:pRg st="4" end="4"/>
-                                            </p:txEl>
-                                          </p:spTgt>
-                                        </p:tgtEl>
-                                        <p:attrNameLst>
-                                          <p:attrName>ppt_x</p:attrName>
-                                        </p:attrNameLst>
-                                      </p:cBhvr>
-                                      <p:tavLst>
-                                        <p:tav tm="0">
-                                          <p:val>
-                                            <p:strVal val="#ppt_x"/>
-                                          </p:val>
-                                        </p:tav>
-                                        <p:tav tm="100000">
-                                          <p:val>
-                                            <p:strVal val="#ppt_x"/>
-                                          </p:val>
-                                        </p:tav>
-                                      </p:tavLst>
-                                    </p:anim>
-                                    <p:anim calcmode="lin" valueType="num">
-                                      <p:cBhvr additive="base">
-                                        <p:cTn id="34" dur="500" fill="hold"/>
-                                        <p:tgtEl>
-                                          <p:spTgt spid="3">
-                                            <p:txEl>
-                                              <p:pRg st="4" end="4"/>
-                                            </p:txEl>
-                                          </p:spTgt>
-                                        </p:tgtEl>
-                                        <p:attrNameLst>
-                                          <p:attrName>ppt_y</p:attrName>
-                                        </p:attrNameLst>
-                                      </p:cBhvr>
-                                      <p:tavLst>
-                                        <p:tav tm="0">
-                                          <p:val>
-                                            <p:strVal val="1+#ppt_h/2"/>
-                                          </p:val>
-                                        </p:tav>
-                                        <p:tav tm="100000">
-                                          <p:val>
-                                            <p:strVal val="#ppt_y"/>
-                                          </p:val>
-                                        </p:tav>
-                                      </p:tavLst>
-                                    </p:anim>
-                                  </p:childTnLst>
-                                </p:cTn>
-                              </p:par>
-                            </p:childTnLst>
-                          </p:cTn>
-                        </p:par>
-                        <p:par>
-                          <p:cTn id="35" fill="hold">
-                            <p:stCondLst>
-                              <p:cond delay="3000"/>
-                            </p:stCondLst>
-                            <p:childTnLst>
-                              <p:par>
-                                <p:cTn id="36" presetID="2" presetClass="entr" presetSubtype="4" fill="hold" grpId="0" nodeType="afterEffect">
-                                  <p:stCondLst>
-                                    <p:cond delay="0"/>
-                                  </p:stCondLst>
-                                  <p:childTnLst>
-                                    <p:set>
-                                      <p:cBhvr>
-                                        <p:cTn id="37" dur="1" fill="hold">
-                                          <p:stCondLst>
-                                            <p:cond delay="0"/>
-                                          </p:stCondLst>
-                                        </p:cTn>
-                                        <p:tgtEl>
-                                          <p:spTgt spid="3">
-                                            <p:txEl>
-                                              <p:pRg st="5" end="5"/>
-                                            </p:txEl>
-                                          </p:spTgt>
-                                        </p:tgtEl>
-                                        <p:attrNameLst>
-                                          <p:attrName>style.visibility</p:attrName>
-                                        </p:attrNameLst>
-                                      </p:cBhvr>
-                                      <p:to>
-                                        <p:strVal val="visible"/>
-                                      </p:to>
-                                    </p:set>
-                                    <p:anim calcmode="lin" valueType="num">
-                                      <p:cBhvr additive="base">
-                                        <p:cTn id="38" dur="500" fill="hold"/>
-                                        <p:tgtEl>
-                                          <p:spTgt spid="3">
-                                            <p:txEl>
-                                              <p:pRg st="5" end="5"/>
-                                            </p:txEl>
-                                          </p:spTgt>
-                                        </p:tgtEl>
-                                        <p:attrNameLst>
-                                          <p:attrName>ppt_x</p:attrName>
-                                        </p:attrNameLst>
-                                      </p:cBhvr>
-                                      <p:tavLst>
-                                        <p:tav tm="0">
-                                          <p:val>
-                                            <p:strVal val="#ppt_x"/>
-                                          </p:val>
-                                        </p:tav>
-                                        <p:tav tm="100000">
-                                          <p:val>
-                                            <p:strVal val="#ppt_x"/>
-                                          </p:val>
-                                        </p:tav>
-                                      </p:tavLst>
-                                    </p:anim>
-                                    <p:anim calcmode="lin" valueType="num">
-                                      <p:cBhvr additive="base">
-                                        <p:cTn id="39" dur="500" fill="hold"/>
-                                        <p:tgtEl>
-                                          <p:spTgt spid="3">
-                                            <p:txEl>
-                                              <p:pRg st="5" end="5"/>
                                             </p:txEl>
                                           </p:spTgt>
                                         </p:tgtEl>
@@ -7982,7 +8162,7 @@
           <a:p>
             <a:r>
               <a:rPr lang="en-US" dirty="0"/>
-              <a:t>Code Implementation</a:t>
+              <a:t>Working of SHAP</a:t>
             </a:r>
           </a:p>
         </p:txBody>
@@ -8015,14 +8195,110 @@
           </a:bodyPr>
           <a:lstStyle/>
           <a:p>
-            <a:endParaRPr lang="en-GB" sz="2000" dirty="0"/>
+            <a:r>
+              <a:rPr lang="en-US" sz="2000" dirty="0"/>
+              <a:t>It is the average of the marginal contributions across all permutations.</a:t>
+            </a:r>
+          </a:p>
+          <a:p>
+            <a:r>
+              <a:rPr lang="en-US" sz="2000" dirty="0"/>
+              <a:t>Advantages of SHAP</a:t>
+            </a:r>
+          </a:p>
+          <a:p>
+            <a:pPr lvl="1"/>
+            <a:r>
+              <a:rPr lang="en-GB" sz="1800" dirty="0"/>
+              <a:t>Global interpretability</a:t>
+            </a:r>
+          </a:p>
+          <a:p>
+            <a:pPr lvl="1"/>
+            <a:r>
+              <a:rPr lang="en-GB" sz="1800" dirty="0"/>
+              <a:t>Local interpretability</a:t>
+            </a:r>
+          </a:p>
+          <a:p>
+            <a:pPr lvl="1"/>
+            <a:r>
+              <a:rPr lang="en-US" sz="1800" dirty="0"/>
+              <a:t>SHAP values can be calculated for any tree-based model</a:t>
+            </a:r>
+          </a:p>
+          <a:p>
+            <a:r>
+              <a:rPr lang="en-US" sz="2000" dirty="0"/>
+              <a:t>SHAP values do not provide causality</a:t>
+            </a:r>
           </a:p>
         </p:txBody>
       </p:sp>
+      <p:pic>
+        <p:nvPicPr>
+          <p:cNvPr id="4" name="Picture 3">
+            <a:extLst>
+              <a:ext uri="{FF2B5EF4-FFF2-40B4-BE49-F238E27FC236}">
+                <a16:creationId xmlns:a16="http://schemas.microsoft.com/office/drawing/2014/main" id="{B78552F0-5E58-4026-831F-712544BB1104}"/>
+              </a:ext>
+            </a:extLst>
+          </p:cNvPr>
+          <p:cNvPicPr>
+            <a:picLocks noChangeAspect="1"/>
+          </p:cNvPicPr>
+          <p:nvPr/>
+        </p:nvPicPr>
+        <p:blipFill>
+          <a:blip r:embed="rId2"/>
+          <a:stretch>
+            <a:fillRect/>
+          </a:stretch>
+        </p:blipFill>
+        <p:spPr>
+          <a:xfrm>
+            <a:off x="7570839" y="1140542"/>
+            <a:ext cx="4464460" cy="2506475"/>
+          </a:xfrm>
+          <a:prstGeom prst="rect">
+            <a:avLst/>
+          </a:prstGeom>
+        </p:spPr>
+      </p:pic>
+      <p:pic>
+        <p:nvPicPr>
+          <p:cNvPr id="6" name="Picture 5">
+            <a:extLst>
+              <a:ext uri="{FF2B5EF4-FFF2-40B4-BE49-F238E27FC236}">
+                <a16:creationId xmlns:a16="http://schemas.microsoft.com/office/drawing/2014/main" id="{53DFF01E-F381-4362-99AB-12E4426FD2A7}"/>
+              </a:ext>
+            </a:extLst>
+          </p:cNvPr>
+          <p:cNvPicPr>
+            <a:picLocks noChangeAspect="1"/>
+          </p:cNvPicPr>
+          <p:nvPr/>
+        </p:nvPicPr>
+        <p:blipFill>
+          <a:blip r:embed="rId3"/>
+          <a:stretch>
+            <a:fillRect/>
+          </a:stretch>
+        </p:blipFill>
+        <p:spPr>
+          <a:xfrm>
+            <a:off x="7778724" y="3959942"/>
+            <a:ext cx="4048690" cy="2372056"/>
+          </a:xfrm>
+          <a:prstGeom prst="rect">
+            <a:avLst/>
+          </a:prstGeom>
+        </p:spPr>
+      </p:pic>
     </p:spTree>
     <p:extLst>
       <p:ext uri="{BB962C8B-B14F-4D97-AF65-F5344CB8AC3E}">
-        <p14:creationId xmlns:p14="http://schemas.microsoft.com/office/powerpoint/2010/main" val="4204231589"/>
+        <p14:creationId xmlns:p14="http://schemas.microsoft.com/office/powerpoint/2010/main" val="654228330"/>
       </p:ext>
     </p:extLst>
   </p:cSld>
@@ -8155,15 +8431,10 @@
                             </p:stCondLst>
                             <p:childTnLst>
                               <p:par>
-                                <p:cTn id="11" presetID="2" presetClass="entr" presetSubtype="4" fill="hold" grpId="0" nodeType="afterEffect" nodePh="1">
+                                <p:cTn id="11" presetID="2" presetClass="entr" presetSubtype="4" fill="hold" grpId="0" nodeType="afterEffect">
                                   <p:stCondLst>
                                     <p:cond delay="0"/>
                                   </p:stCondLst>
-                                  <p:endCondLst>
-                                    <p:cond evt="begin" delay="0">
-                                      <p:tn val="11"/>
-                                    </p:cond>
-                                  </p:endCondLst>
                                   <p:childTnLst>
                                     <p:set>
                                       <p:cBhvr>
@@ -8221,6 +8492,638 @@
                                           <p:spTgt spid="3">
                                             <p:txEl>
                                               <p:pRg st="0" end="0"/>
+                                            </p:txEl>
+                                          </p:spTgt>
+                                        </p:tgtEl>
+                                        <p:attrNameLst>
+                                          <p:attrName>ppt_y</p:attrName>
+                                        </p:attrNameLst>
+                                      </p:cBhvr>
+                                      <p:tavLst>
+                                        <p:tav tm="0">
+                                          <p:val>
+                                            <p:strVal val="1+#ppt_h/2"/>
+                                          </p:val>
+                                        </p:tav>
+                                        <p:tav tm="100000">
+                                          <p:val>
+                                            <p:strVal val="#ppt_y"/>
+                                          </p:val>
+                                        </p:tav>
+                                      </p:tavLst>
+                                    </p:anim>
+                                  </p:childTnLst>
+                                </p:cTn>
+                              </p:par>
+                              <p:par>
+                                <p:cTn id="15" presetID="42" presetClass="entr" presetSubtype="0" fill="hold" nodeType="withEffect">
+                                  <p:stCondLst>
+                                    <p:cond delay="0"/>
+                                  </p:stCondLst>
+                                  <p:childTnLst>
+                                    <p:set>
+                                      <p:cBhvr>
+                                        <p:cTn id="16" dur="1" fill="hold">
+                                          <p:stCondLst>
+                                            <p:cond delay="0"/>
+                                          </p:stCondLst>
+                                        </p:cTn>
+                                        <p:tgtEl>
+                                          <p:spTgt spid="4"/>
+                                        </p:tgtEl>
+                                        <p:attrNameLst>
+                                          <p:attrName>style.visibility</p:attrName>
+                                        </p:attrNameLst>
+                                      </p:cBhvr>
+                                      <p:to>
+                                        <p:strVal val="visible"/>
+                                      </p:to>
+                                    </p:set>
+                                    <p:animEffect transition="in" filter="fade">
+                                      <p:cBhvr>
+                                        <p:cTn id="17" dur="500"/>
+                                        <p:tgtEl>
+                                          <p:spTgt spid="4"/>
+                                        </p:tgtEl>
+                                      </p:cBhvr>
+                                    </p:animEffect>
+                                    <p:anim calcmode="lin" valueType="num">
+                                      <p:cBhvr>
+                                        <p:cTn id="18" dur="500" fill="hold"/>
+                                        <p:tgtEl>
+                                          <p:spTgt spid="4"/>
+                                        </p:tgtEl>
+                                        <p:attrNameLst>
+                                          <p:attrName>ppt_x</p:attrName>
+                                        </p:attrNameLst>
+                                      </p:cBhvr>
+                                      <p:tavLst>
+                                        <p:tav tm="0">
+                                          <p:val>
+                                            <p:strVal val="#ppt_x"/>
+                                          </p:val>
+                                        </p:tav>
+                                        <p:tav tm="100000">
+                                          <p:val>
+                                            <p:strVal val="#ppt_x"/>
+                                          </p:val>
+                                        </p:tav>
+                                      </p:tavLst>
+                                    </p:anim>
+                                    <p:anim calcmode="lin" valueType="num">
+                                      <p:cBhvr>
+                                        <p:cTn id="19" dur="500" fill="hold"/>
+                                        <p:tgtEl>
+                                          <p:spTgt spid="4"/>
+                                        </p:tgtEl>
+                                        <p:attrNameLst>
+                                          <p:attrName>ppt_y</p:attrName>
+                                        </p:attrNameLst>
+                                      </p:cBhvr>
+                                      <p:tavLst>
+                                        <p:tav tm="0">
+                                          <p:val>
+                                            <p:strVal val="#ppt_y+.1"/>
+                                          </p:val>
+                                        </p:tav>
+                                        <p:tav tm="100000">
+                                          <p:val>
+                                            <p:strVal val="#ppt_y"/>
+                                          </p:val>
+                                        </p:tav>
+                                      </p:tavLst>
+                                    </p:anim>
+                                  </p:childTnLst>
+                                </p:cTn>
+                              </p:par>
+                            </p:childTnLst>
+                          </p:cTn>
+                        </p:par>
+                        <p:par>
+                          <p:cTn id="20" fill="hold">
+                            <p:stCondLst>
+                              <p:cond delay="1000"/>
+                            </p:stCondLst>
+                            <p:childTnLst>
+                              <p:par>
+                                <p:cTn id="21" presetID="2" presetClass="entr" presetSubtype="4" fill="hold" grpId="0" nodeType="afterEffect">
+                                  <p:stCondLst>
+                                    <p:cond delay="0"/>
+                                  </p:stCondLst>
+                                  <p:childTnLst>
+                                    <p:set>
+                                      <p:cBhvr>
+                                        <p:cTn id="22" dur="1" fill="hold">
+                                          <p:stCondLst>
+                                            <p:cond delay="0"/>
+                                          </p:stCondLst>
+                                        </p:cTn>
+                                        <p:tgtEl>
+                                          <p:spTgt spid="3">
+                                            <p:txEl>
+                                              <p:pRg st="1" end="1"/>
+                                            </p:txEl>
+                                          </p:spTgt>
+                                        </p:tgtEl>
+                                        <p:attrNameLst>
+                                          <p:attrName>style.visibility</p:attrName>
+                                        </p:attrNameLst>
+                                      </p:cBhvr>
+                                      <p:to>
+                                        <p:strVal val="visible"/>
+                                      </p:to>
+                                    </p:set>
+                                    <p:anim calcmode="lin" valueType="num">
+                                      <p:cBhvr additive="base">
+                                        <p:cTn id="23" dur="500" fill="hold"/>
+                                        <p:tgtEl>
+                                          <p:spTgt spid="3">
+                                            <p:txEl>
+                                              <p:pRg st="1" end="1"/>
+                                            </p:txEl>
+                                          </p:spTgt>
+                                        </p:tgtEl>
+                                        <p:attrNameLst>
+                                          <p:attrName>ppt_x</p:attrName>
+                                        </p:attrNameLst>
+                                      </p:cBhvr>
+                                      <p:tavLst>
+                                        <p:tav tm="0">
+                                          <p:val>
+                                            <p:strVal val="#ppt_x"/>
+                                          </p:val>
+                                        </p:tav>
+                                        <p:tav tm="100000">
+                                          <p:val>
+                                            <p:strVal val="#ppt_x"/>
+                                          </p:val>
+                                        </p:tav>
+                                      </p:tavLst>
+                                    </p:anim>
+                                    <p:anim calcmode="lin" valueType="num">
+                                      <p:cBhvr additive="base">
+                                        <p:cTn id="24" dur="500" fill="hold"/>
+                                        <p:tgtEl>
+                                          <p:spTgt spid="3">
+                                            <p:txEl>
+                                              <p:pRg st="1" end="1"/>
+                                            </p:txEl>
+                                          </p:spTgt>
+                                        </p:tgtEl>
+                                        <p:attrNameLst>
+                                          <p:attrName>ppt_y</p:attrName>
+                                        </p:attrNameLst>
+                                      </p:cBhvr>
+                                      <p:tavLst>
+                                        <p:tav tm="0">
+                                          <p:val>
+                                            <p:strVal val="1+#ppt_h/2"/>
+                                          </p:val>
+                                        </p:tav>
+                                        <p:tav tm="100000">
+                                          <p:val>
+                                            <p:strVal val="#ppt_y"/>
+                                          </p:val>
+                                        </p:tav>
+                                      </p:tavLst>
+                                    </p:anim>
+                                  </p:childTnLst>
+                                </p:cTn>
+                              </p:par>
+                              <p:par>
+                                <p:cTn id="25" presetID="42" presetClass="entr" presetSubtype="0" fill="hold" nodeType="withEffect">
+                                  <p:stCondLst>
+                                    <p:cond delay="0"/>
+                                  </p:stCondLst>
+                                  <p:childTnLst>
+                                    <p:set>
+                                      <p:cBhvr>
+                                        <p:cTn id="26" dur="1" fill="hold">
+                                          <p:stCondLst>
+                                            <p:cond delay="0"/>
+                                          </p:stCondLst>
+                                        </p:cTn>
+                                        <p:tgtEl>
+                                          <p:spTgt spid="6"/>
+                                        </p:tgtEl>
+                                        <p:attrNameLst>
+                                          <p:attrName>style.visibility</p:attrName>
+                                        </p:attrNameLst>
+                                      </p:cBhvr>
+                                      <p:to>
+                                        <p:strVal val="visible"/>
+                                      </p:to>
+                                    </p:set>
+                                    <p:animEffect transition="in" filter="fade">
+                                      <p:cBhvr>
+                                        <p:cTn id="27" dur="500"/>
+                                        <p:tgtEl>
+                                          <p:spTgt spid="6"/>
+                                        </p:tgtEl>
+                                      </p:cBhvr>
+                                    </p:animEffect>
+                                    <p:anim calcmode="lin" valueType="num">
+                                      <p:cBhvr>
+                                        <p:cTn id="28" dur="500" fill="hold"/>
+                                        <p:tgtEl>
+                                          <p:spTgt spid="6"/>
+                                        </p:tgtEl>
+                                        <p:attrNameLst>
+                                          <p:attrName>ppt_x</p:attrName>
+                                        </p:attrNameLst>
+                                      </p:cBhvr>
+                                      <p:tavLst>
+                                        <p:tav tm="0">
+                                          <p:val>
+                                            <p:strVal val="#ppt_x"/>
+                                          </p:val>
+                                        </p:tav>
+                                        <p:tav tm="100000">
+                                          <p:val>
+                                            <p:strVal val="#ppt_x"/>
+                                          </p:val>
+                                        </p:tav>
+                                      </p:tavLst>
+                                    </p:anim>
+                                    <p:anim calcmode="lin" valueType="num">
+                                      <p:cBhvr>
+                                        <p:cTn id="29" dur="500" fill="hold"/>
+                                        <p:tgtEl>
+                                          <p:spTgt spid="6"/>
+                                        </p:tgtEl>
+                                        <p:attrNameLst>
+                                          <p:attrName>ppt_y</p:attrName>
+                                        </p:attrNameLst>
+                                      </p:cBhvr>
+                                      <p:tavLst>
+                                        <p:tav tm="0">
+                                          <p:val>
+                                            <p:strVal val="#ppt_y+.1"/>
+                                          </p:val>
+                                        </p:tav>
+                                        <p:tav tm="100000">
+                                          <p:val>
+                                            <p:strVal val="#ppt_y"/>
+                                          </p:val>
+                                        </p:tav>
+                                      </p:tavLst>
+                                    </p:anim>
+                                  </p:childTnLst>
+                                </p:cTn>
+                              </p:par>
+                            </p:childTnLst>
+                          </p:cTn>
+                        </p:par>
+                        <p:par>
+                          <p:cTn id="30" fill="hold">
+                            <p:stCondLst>
+                              <p:cond delay="1500"/>
+                            </p:stCondLst>
+                            <p:childTnLst>
+                              <p:par>
+                                <p:cTn id="31" presetID="2" presetClass="entr" presetSubtype="4" fill="hold" grpId="0" nodeType="afterEffect">
+                                  <p:stCondLst>
+                                    <p:cond delay="0"/>
+                                  </p:stCondLst>
+                                  <p:childTnLst>
+                                    <p:set>
+                                      <p:cBhvr>
+                                        <p:cTn id="32" dur="1" fill="hold">
+                                          <p:stCondLst>
+                                            <p:cond delay="0"/>
+                                          </p:stCondLst>
+                                        </p:cTn>
+                                        <p:tgtEl>
+                                          <p:spTgt spid="3">
+                                            <p:txEl>
+                                              <p:pRg st="2" end="2"/>
+                                            </p:txEl>
+                                          </p:spTgt>
+                                        </p:tgtEl>
+                                        <p:attrNameLst>
+                                          <p:attrName>style.visibility</p:attrName>
+                                        </p:attrNameLst>
+                                      </p:cBhvr>
+                                      <p:to>
+                                        <p:strVal val="visible"/>
+                                      </p:to>
+                                    </p:set>
+                                    <p:anim calcmode="lin" valueType="num">
+                                      <p:cBhvr additive="base">
+                                        <p:cTn id="33" dur="500" fill="hold"/>
+                                        <p:tgtEl>
+                                          <p:spTgt spid="3">
+                                            <p:txEl>
+                                              <p:pRg st="2" end="2"/>
+                                            </p:txEl>
+                                          </p:spTgt>
+                                        </p:tgtEl>
+                                        <p:attrNameLst>
+                                          <p:attrName>ppt_x</p:attrName>
+                                        </p:attrNameLst>
+                                      </p:cBhvr>
+                                      <p:tavLst>
+                                        <p:tav tm="0">
+                                          <p:val>
+                                            <p:strVal val="#ppt_x"/>
+                                          </p:val>
+                                        </p:tav>
+                                        <p:tav tm="100000">
+                                          <p:val>
+                                            <p:strVal val="#ppt_x"/>
+                                          </p:val>
+                                        </p:tav>
+                                      </p:tavLst>
+                                    </p:anim>
+                                    <p:anim calcmode="lin" valueType="num">
+                                      <p:cBhvr additive="base">
+                                        <p:cTn id="34" dur="500" fill="hold"/>
+                                        <p:tgtEl>
+                                          <p:spTgt spid="3">
+                                            <p:txEl>
+                                              <p:pRg st="2" end="2"/>
+                                            </p:txEl>
+                                          </p:spTgt>
+                                        </p:tgtEl>
+                                        <p:attrNameLst>
+                                          <p:attrName>ppt_y</p:attrName>
+                                        </p:attrNameLst>
+                                      </p:cBhvr>
+                                      <p:tavLst>
+                                        <p:tav tm="0">
+                                          <p:val>
+                                            <p:strVal val="1+#ppt_h/2"/>
+                                          </p:val>
+                                        </p:tav>
+                                        <p:tav tm="100000">
+                                          <p:val>
+                                            <p:strVal val="#ppt_y"/>
+                                          </p:val>
+                                        </p:tav>
+                                      </p:tavLst>
+                                    </p:anim>
+                                  </p:childTnLst>
+                                </p:cTn>
+                              </p:par>
+                            </p:childTnLst>
+                          </p:cTn>
+                        </p:par>
+                        <p:par>
+                          <p:cTn id="35" fill="hold">
+                            <p:stCondLst>
+                              <p:cond delay="2000"/>
+                            </p:stCondLst>
+                            <p:childTnLst>
+                              <p:par>
+                                <p:cTn id="36" presetID="2" presetClass="entr" presetSubtype="4" fill="hold" grpId="0" nodeType="afterEffect">
+                                  <p:stCondLst>
+                                    <p:cond delay="0"/>
+                                  </p:stCondLst>
+                                  <p:childTnLst>
+                                    <p:set>
+                                      <p:cBhvr>
+                                        <p:cTn id="37" dur="1" fill="hold">
+                                          <p:stCondLst>
+                                            <p:cond delay="0"/>
+                                          </p:stCondLst>
+                                        </p:cTn>
+                                        <p:tgtEl>
+                                          <p:spTgt spid="3">
+                                            <p:txEl>
+                                              <p:pRg st="3" end="3"/>
+                                            </p:txEl>
+                                          </p:spTgt>
+                                        </p:tgtEl>
+                                        <p:attrNameLst>
+                                          <p:attrName>style.visibility</p:attrName>
+                                        </p:attrNameLst>
+                                      </p:cBhvr>
+                                      <p:to>
+                                        <p:strVal val="visible"/>
+                                      </p:to>
+                                    </p:set>
+                                    <p:anim calcmode="lin" valueType="num">
+                                      <p:cBhvr additive="base">
+                                        <p:cTn id="38" dur="500" fill="hold"/>
+                                        <p:tgtEl>
+                                          <p:spTgt spid="3">
+                                            <p:txEl>
+                                              <p:pRg st="3" end="3"/>
+                                            </p:txEl>
+                                          </p:spTgt>
+                                        </p:tgtEl>
+                                        <p:attrNameLst>
+                                          <p:attrName>ppt_x</p:attrName>
+                                        </p:attrNameLst>
+                                      </p:cBhvr>
+                                      <p:tavLst>
+                                        <p:tav tm="0">
+                                          <p:val>
+                                            <p:strVal val="#ppt_x"/>
+                                          </p:val>
+                                        </p:tav>
+                                        <p:tav tm="100000">
+                                          <p:val>
+                                            <p:strVal val="#ppt_x"/>
+                                          </p:val>
+                                        </p:tav>
+                                      </p:tavLst>
+                                    </p:anim>
+                                    <p:anim calcmode="lin" valueType="num">
+                                      <p:cBhvr additive="base">
+                                        <p:cTn id="39" dur="500" fill="hold"/>
+                                        <p:tgtEl>
+                                          <p:spTgt spid="3">
+                                            <p:txEl>
+                                              <p:pRg st="3" end="3"/>
+                                            </p:txEl>
+                                          </p:spTgt>
+                                        </p:tgtEl>
+                                        <p:attrNameLst>
+                                          <p:attrName>ppt_y</p:attrName>
+                                        </p:attrNameLst>
+                                      </p:cBhvr>
+                                      <p:tavLst>
+                                        <p:tav tm="0">
+                                          <p:val>
+                                            <p:strVal val="1+#ppt_h/2"/>
+                                          </p:val>
+                                        </p:tav>
+                                        <p:tav tm="100000">
+                                          <p:val>
+                                            <p:strVal val="#ppt_y"/>
+                                          </p:val>
+                                        </p:tav>
+                                      </p:tavLst>
+                                    </p:anim>
+                                  </p:childTnLst>
+                                </p:cTn>
+                              </p:par>
+                            </p:childTnLst>
+                          </p:cTn>
+                        </p:par>
+                        <p:par>
+                          <p:cTn id="40" fill="hold">
+                            <p:stCondLst>
+                              <p:cond delay="2500"/>
+                            </p:stCondLst>
+                            <p:childTnLst>
+                              <p:par>
+                                <p:cTn id="41" presetID="2" presetClass="entr" presetSubtype="4" fill="hold" grpId="0" nodeType="afterEffect">
+                                  <p:stCondLst>
+                                    <p:cond delay="0"/>
+                                  </p:stCondLst>
+                                  <p:childTnLst>
+                                    <p:set>
+                                      <p:cBhvr>
+                                        <p:cTn id="42" dur="1" fill="hold">
+                                          <p:stCondLst>
+                                            <p:cond delay="0"/>
+                                          </p:stCondLst>
+                                        </p:cTn>
+                                        <p:tgtEl>
+                                          <p:spTgt spid="3">
+                                            <p:txEl>
+                                              <p:pRg st="4" end="4"/>
+                                            </p:txEl>
+                                          </p:spTgt>
+                                        </p:tgtEl>
+                                        <p:attrNameLst>
+                                          <p:attrName>style.visibility</p:attrName>
+                                        </p:attrNameLst>
+                                      </p:cBhvr>
+                                      <p:to>
+                                        <p:strVal val="visible"/>
+                                      </p:to>
+                                    </p:set>
+                                    <p:anim calcmode="lin" valueType="num">
+                                      <p:cBhvr additive="base">
+                                        <p:cTn id="43" dur="500" fill="hold"/>
+                                        <p:tgtEl>
+                                          <p:spTgt spid="3">
+                                            <p:txEl>
+                                              <p:pRg st="4" end="4"/>
+                                            </p:txEl>
+                                          </p:spTgt>
+                                        </p:tgtEl>
+                                        <p:attrNameLst>
+                                          <p:attrName>ppt_x</p:attrName>
+                                        </p:attrNameLst>
+                                      </p:cBhvr>
+                                      <p:tavLst>
+                                        <p:tav tm="0">
+                                          <p:val>
+                                            <p:strVal val="#ppt_x"/>
+                                          </p:val>
+                                        </p:tav>
+                                        <p:tav tm="100000">
+                                          <p:val>
+                                            <p:strVal val="#ppt_x"/>
+                                          </p:val>
+                                        </p:tav>
+                                      </p:tavLst>
+                                    </p:anim>
+                                    <p:anim calcmode="lin" valueType="num">
+                                      <p:cBhvr additive="base">
+                                        <p:cTn id="44" dur="500" fill="hold"/>
+                                        <p:tgtEl>
+                                          <p:spTgt spid="3">
+                                            <p:txEl>
+                                              <p:pRg st="4" end="4"/>
+                                            </p:txEl>
+                                          </p:spTgt>
+                                        </p:tgtEl>
+                                        <p:attrNameLst>
+                                          <p:attrName>ppt_y</p:attrName>
+                                        </p:attrNameLst>
+                                      </p:cBhvr>
+                                      <p:tavLst>
+                                        <p:tav tm="0">
+                                          <p:val>
+                                            <p:strVal val="1+#ppt_h/2"/>
+                                          </p:val>
+                                        </p:tav>
+                                        <p:tav tm="100000">
+                                          <p:val>
+                                            <p:strVal val="#ppt_y"/>
+                                          </p:val>
+                                        </p:tav>
+                                      </p:tavLst>
+                                    </p:anim>
+                                  </p:childTnLst>
+                                </p:cTn>
+                              </p:par>
+                            </p:childTnLst>
+                          </p:cTn>
+                        </p:par>
+                        <p:par>
+                          <p:cTn id="45" fill="hold">
+                            <p:stCondLst>
+                              <p:cond delay="3000"/>
+                            </p:stCondLst>
+                            <p:childTnLst>
+                              <p:par>
+                                <p:cTn id="46" presetID="2" presetClass="entr" presetSubtype="4" fill="hold" grpId="0" nodeType="afterEffect">
+                                  <p:stCondLst>
+                                    <p:cond delay="0"/>
+                                  </p:stCondLst>
+                                  <p:childTnLst>
+                                    <p:set>
+                                      <p:cBhvr>
+                                        <p:cTn id="47" dur="1" fill="hold">
+                                          <p:stCondLst>
+                                            <p:cond delay="0"/>
+                                          </p:stCondLst>
+                                        </p:cTn>
+                                        <p:tgtEl>
+                                          <p:spTgt spid="3">
+                                            <p:txEl>
+                                              <p:pRg st="5" end="5"/>
+                                            </p:txEl>
+                                          </p:spTgt>
+                                        </p:tgtEl>
+                                        <p:attrNameLst>
+                                          <p:attrName>style.visibility</p:attrName>
+                                        </p:attrNameLst>
+                                      </p:cBhvr>
+                                      <p:to>
+                                        <p:strVal val="visible"/>
+                                      </p:to>
+                                    </p:set>
+                                    <p:anim calcmode="lin" valueType="num">
+                                      <p:cBhvr additive="base">
+                                        <p:cTn id="48" dur="500" fill="hold"/>
+                                        <p:tgtEl>
+                                          <p:spTgt spid="3">
+                                            <p:txEl>
+                                              <p:pRg st="5" end="5"/>
+                                            </p:txEl>
+                                          </p:spTgt>
+                                        </p:tgtEl>
+                                        <p:attrNameLst>
+                                          <p:attrName>ppt_x</p:attrName>
+                                        </p:attrNameLst>
+                                      </p:cBhvr>
+                                      <p:tavLst>
+                                        <p:tav tm="0">
+                                          <p:val>
+                                            <p:strVal val="#ppt_x"/>
+                                          </p:val>
+                                        </p:tav>
+                                        <p:tav tm="100000">
+                                          <p:val>
+                                            <p:strVal val="#ppt_x"/>
+                                          </p:val>
+                                        </p:tav>
+                                      </p:tavLst>
+                                    </p:anim>
+                                    <p:anim calcmode="lin" valueType="num">
+                                      <p:cBhvr additive="base">
+                                        <p:cTn id="49" dur="500" fill="hold"/>
+                                        <p:tgtEl>
+                                          <p:spTgt spid="3">
+                                            <p:txEl>
+                                              <p:pRg st="5" end="5"/>
                                             </p:txEl>
                                           </p:spTgt>
                                         </p:tgtEl>
@@ -8612,6 +9515,1216 @@
       </p:grpSpPr>
       <p:sp>
         <p:nvSpPr>
+          <p:cNvPr id="7" name="Rectangle 6">
+            <a:extLst>
+              <a:ext uri="{FF2B5EF4-FFF2-40B4-BE49-F238E27FC236}">
+                <a16:creationId xmlns:a16="http://schemas.microsoft.com/office/drawing/2014/main" id="{3E35C6D8-B3AA-4092-A44A-61C29A3252A8}"/>
+              </a:ext>
+            </a:extLst>
+          </p:cNvPr>
+          <p:cNvSpPr/>
+          <p:nvPr/>
+        </p:nvSpPr>
+        <p:spPr>
+          <a:xfrm>
+            <a:off x="528034" y="1733753"/>
+            <a:ext cx="11088710" cy="5024973"/>
+          </a:xfrm>
+          <a:prstGeom prst="rect">
+            <a:avLst/>
+          </a:prstGeom>
+          <a:ln/>
+        </p:spPr>
+        <p:style>
+          <a:lnRef idx="2">
+            <a:schemeClr val="accent6"/>
+          </a:lnRef>
+          <a:fillRef idx="1">
+            <a:schemeClr val="lt1"/>
+          </a:fillRef>
+          <a:effectRef idx="0">
+            <a:schemeClr val="accent6"/>
+          </a:effectRef>
+          <a:fontRef idx="minor">
+            <a:schemeClr val="dk1"/>
+          </a:fontRef>
+        </p:style>
+        <p:txBody>
+          <a:bodyPr rtlCol="0" anchor="ctr"/>
+          <a:lstStyle/>
+          <a:p>
+            <a:pPr algn="ctr"/>
+            <a:endParaRPr lang="en-IN"/>
+          </a:p>
+        </p:txBody>
+      </p:sp>
+      <p:sp>
+        <p:nvSpPr>
+          <p:cNvPr id="5" name="Rectangle 4">
+            <a:extLst>
+              <a:ext uri="{FF2B5EF4-FFF2-40B4-BE49-F238E27FC236}">
+                <a16:creationId xmlns:a16="http://schemas.microsoft.com/office/drawing/2014/main" id="{00B54941-30AF-40BA-8115-CE80CA4941BB}"/>
+              </a:ext>
+            </a:extLst>
+          </p:cNvPr>
+          <p:cNvSpPr/>
+          <p:nvPr/>
+        </p:nvSpPr>
+        <p:spPr>
+          <a:xfrm>
+            <a:off x="528034" y="1181391"/>
+            <a:ext cx="11088710" cy="425003"/>
+          </a:xfrm>
+          <a:prstGeom prst="rect">
+            <a:avLst/>
+          </a:prstGeom>
+        </p:spPr>
+        <p:style>
+          <a:lnRef idx="2">
+            <a:schemeClr val="accent1">
+              <a:shade val="50000"/>
+            </a:schemeClr>
+          </a:lnRef>
+          <a:fillRef idx="1">
+            <a:schemeClr val="accent1"/>
+          </a:fillRef>
+          <a:effectRef idx="0">
+            <a:schemeClr val="accent1"/>
+          </a:effectRef>
+          <a:fontRef idx="minor">
+            <a:schemeClr val="lt1"/>
+          </a:fontRef>
+        </p:style>
+        <p:txBody>
+          <a:bodyPr rtlCol="0" anchor="ctr"/>
+          <a:lstStyle/>
+          <a:p>
+            <a:pPr algn="ctr"/>
+            <a:endParaRPr lang="en-IN"/>
+          </a:p>
+        </p:txBody>
+      </p:sp>
+      <p:sp>
+        <p:nvSpPr>
+          <p:cNvPr id="2" name="Title 1">
+            <a:extLst>
+              <a:ext uri="{FF2B5EF4-FFF2-40B4-BE49-F238E27FC236}">
+                <a16:creationId xmlns:a16="http://schemas.microsoft.com/office/drawing/2014/main" id="{95BCBFB9-9C6A-4040-805A-F3DAB1458438}"/>
+              </a:ext>
+            </a:extLst>
+          </p:cNvPr>
+          <p:cNvSpPr>
+            <a:spLocks noGrp="1"/>
+          </p:cNvSpPr>
+          <p:nvPr>
+            <p:ph type="title"/>
+          </p:nvPr>
+        </p:nvSpPr>
+        <p:spPr>
+          <a:xfrm>
+            <a:off x="59596" y="512206"/>
+            <a:ext cx="292278" cy="6130342"/>
+          </a:xfrm>
+        </p:spPr>
+        <p:txBody>
+          <a:bodyPr>
+            <a:normAutofit fontScale="90000"/>
+          </a:bodyPr>
+          <a:lstStyle/>
+          <a:p>
+            <a:br>
+              <a:rPr lang="en-US" sz="2000" dirty="0">
+                <a:solidFill>
+                  <a:schemeClr val="tx1"/>
+                </a:solidFill>
+              </a:rPr>
+            </a:br>
+            <a:br>
+              <a:rPr lang="en-US" sz="2000" dirty="0">
+                <a:solidFill>
+                  <a:schemeClr val="tx1"/>
+                </a:solidFill>
+              </a:rPr>
+            </a:br>
+            <a:br>
+              <a:rPr lang="en-US" sz="2000" dirty="0">
+                <a:solidFill>
+                  <a:schemeClr val="tx1"/>
+                </a:solidFill>
+              </a:rPr>
+            </a:br>
+            <a:br>
+              <a:rPr lang="en-US" sz="2000" dirty="0">
+                <a:solidFill>
+                  <a:schemeClr val="tx1"/>
+                </a:solidFill>
+              </a:rPr>
+            </a:br>
+            <a:br>
+              <a:rPr lang="en-US" sz="2000" dirty="0">
+                <a:solidFill>
+                  <a:schemeClr val="tx1"/>
+                </a:solidFill>
+              </a:rPr>
+            </a:br>
+            <a:r>
+              <a:rPr lang="en-US" sz="2000" dirty="0">
+                <a:solidFill>
+                  <a:srgbClr val="FF0000"/>
+                </a:solidFill>
+              </a:rPr>
+              <a:t>REAL</a:t>
+            </a:r>
+            <a:br>
+              <a:rPr lang="en-US" sz="1500" dirty="0">
+                <a:solidFill>
+                  <a:srgbClr val="FF0000"/>
+                </a:solidFill>
+              </a:rPr>
+            </a:br>
+            <a:br>
+              <a:rPr lang="en-US" sz="1500" dirty="0">
+                <a:solidFill>
+                  <a:srgbClr val="FF0000"/>
+                </a:solidFill>
+              </a:rPr>
+            </a:br>
+            <a:br>
+              <a:rPr lang="en-US" sz="2000" dirty="0">
+                <a:solidFill>
+                  <a:srgbClr val="FF0000"/>
+                </a:solidFill>
+              </a:rPr>
+            </a:br>
+            <a:r>
+              <a:rPr lang="en-US" sz="1200" dirty="0">
+                <a:solidFill>
+                  <a:srgbClr val="FF0000"/>
+                </a:solidFill>
+              </a:rPr>
+              <a:t>ATTACKED</a:t>
+            </a:r>
+            <a:br>
+              <a:rPr lang="en-US" sz="2000" dirty="0">
+                <a:solidFill>
+                  <a:srgbClr val="FF0000"/>
+                </a:solidFill>
+              </a:rPr>
+            </a:br>
+            <a:br>
+              <a:rPr lang="en-US" sz="2000" dirty="0">
+                <a:solidFill>
+                  <a:srgbClr val="FF0000"/>
+                </a:solidFill>
+              </a:rPr>
+            </a:br>
+            <a:br>
+              <a:rPr lang="en-US" sz="2000" dirty="0">
+                <a:solidFill>
+                  <a:srgbClr val="FF0000"/>
+                </a:solidFill>
+              </a:rPr>
+            </a:br>
+            <a:r>
+              <a:rPr lang="en-US" sz="2000" dirty="0">
+                <a:solidFill>
+                  <a:srgbClr val="FF0000"/>
+                </a:solidFill>
+              </a:rPr>
+              <a:t>REAL</a:t>
+            </a:r>
+            <a:br>
+              <a:rPr lang="en-US" sz="2000" dirty="0">
+                <a:solidFill>
+                  <a:schemeClr val="tx1"/>
+                </a:solidFill>
+              </a:rPr>
+            </a:br>
+            <a:r>
+              <a:rPr lang="en-US" dirty="0"/>
+              <a:t> </a:t>
+            </a:r>
+          </a:p>
+        </p:txBody>
+      </p:sp>
+      <p:sp>
+        <p:nvSpPr>
+          <p:cNvPr id="3" name="Content Placeholder 2">
+            <a:extLst>
+              <a:ext uri="{FF2B5EF4-FFF2-40B4-BE49-F238E27FC236}">
+                <a16:creationId xmlns:a16="http://schemas.microsoft.com/office/drawing/2014/main" id="{54DB37A7-04C5-4EE9-A351-37C3F0A4AE09}"/>
+              </a:ext>
+            </a:extLst>
+          </p:cNvPr>
+          <p:cNvSpPr>
+            <a:spLocks noGrp="1"/>
+          </p:cNvSpPr>
+          <p:nvPr>
+            <p:ph idx="1"/>
+          </p:nvPr>
+        </p:nvSpPr>
+        <p:spPr>
+          <a:xfrm>
+            <a:off x="528034" y="1181391"/>
+            <a:ext cx="10885989" cy="425003"/>
+          </a:xfrm>
+        </p:spPr>
+        <p:txBody>
+          <a:bodyPr>
+            <a:normAutofit/>
+          </a:bodyPr>
+          <a:lstStyle/>
+          <a:p>
+            <a:pPr marL="0" indent="0">
+              <a:buNone/>
+            </a:pPr>
+            <a:r>
+              <a:rPr lang="en-GB" sz="2000" dirty="0"/>
+              <a:t>  Image        0           1            2           3           4           5           6           7           8           9</a:t>
+            </a:r>
+          </a:p>
+        </p:txBody>
+      </p:sp>
+      <p:pic>
+        <p:nvPicPr>
+          <p:cNvPr id="1030" name="Picture 6" descr="08gJthhUFFPQTge0qpLRh4VPEyADlKqV0A7gGwP3IOuwHcD+CNyGd5E9ZkyURERESnlNJan+1zICIiIiIiIiIicEQNEREREREREVHCYEcNEREREREREVGCYEcNEREREREREVGCYEcNEREREREREVGCYEcNEREREREREVGCYEcNEREREREREVGCYEcNEREREREREVGCYEcNEREREREREVGC+P+r347RKcZNfwAAAABJRU5ErkJggg== (1130×167)">
+            <a:extLst>
+              <a:ext uri="{FF2B5EF4-FFF2-40B4-BE49-F238E27FC236}">
+                <a16:creationId xmlns:a16="http://schemas.microsoft.com/office/drawing/2014/main" id="{02C9F875-C912-45E1-971A-620E4ABA553C}"/>
+              </a:ext>
+            </a:extLst>
+          </p:cNvPr>
+          <p:cNvPicPr>
+            <a:picLocks noChangeAspect="1" noChangeArrowheads="1"/>
+          </p:cNvPicPr>
+          <p:nvPr/>
+        </p:nvPicPr>
+        <p:blipFill>
+          <a:blip r:embed="rId2">
+            <a:extLst>
+              <a:ext uri="{28A0092B-C50C-407E-A947-70E740481C1C}">
+                <a14:useLocalDpi xmlns:a14="http://schemas.microsoft.com/office/drawing/2010/main" val="0"/>
+              </a:ext>
+            </a:extLst>
+          </a:blip>
+          <a:srcRect/>
+          <a:stretch>
+            <a:fillRect/>
+          </a:stretch>
+        </p:blipFill>
+        <p:spPr bwMode="auto">
+          <a:xfrm>
+            <a:off x="677334" y="1860228"/>
+            <a:ext cx="10763250" cy="1590675"/>
+          </a:xfrm>
+          <a:prstGeom prst="rect">
+            <a:avLst/>
+          </a:prstGeom>
+          <a:noFill/>
+          <a:extLst>
+            <a:ext uri="{909E8E84-426E-40DD-AFC4-6F175D3DCCD1}">
+              <a14:hiddenFill xmlns:a14="http://schemas.microsoft.com/office/drawing/2010/main">
+                <a:solidFill>
+                  <a:srgbClr val="FFFFFF"/>
+                </a:solidFill>
+              </a14:hiddenFill>
+            </a:ext>
+          </a:extLst>
+        </p:spPr>
+      </p:pic>
+      <p:pic>
+        <p:nvPicPr>
+          <p:cNvPr id="1032" name="Picture 8" descr="A9AC9FfsvLsDdLJoQQQgg5oijLso73PRBCCCGEEEIIIYQQ0KOGEEIIIYQQQgghJGHgQg0hhBBCCCGEEEJIgsCFGkIIIYQQQgghhJAEgQs1hBBCCCGEEEIIIQkCF2oIIYQQQgghhBBCEgQu1BBCCCGEEEIIIYQkCFyoIYQQQgghhBBCCEkQuFBDCCGEEEIIIYQQkiD8f8FVDFR6K1DoAAAAAElFTkSuQmCC (1130×167)">
+            <a:extLst>
+              <a:ext uri="{FF2B5EF4-FFF2-40B4-BE49-F238E27FC236}">
+                <a16:creationId xmlns:a16="http://schemas.microsoft.com/office/drawing/2014/main" id="{8676A54C-9F88-4180-9927-3D93A3491E05}"/>
+              </a:ext>
+            </a:extLst>
+          </p:cNvPr>
+          <p:cNvPicPr>
+            <a:picLocks noChangeAspect="1" noChangeArrowheads="1"/>
+          </p:cNvPicPr>
+          <p:nvPr/>
+        </p:nvPicPr>
+        <p:blipFill>
+          <a:blip r:embed="rId3">
+            <a:extLst>
+              <a:ext uri="{28A0092B-C50C-407E-A947-70E740481C1C}">
+                <a14:useLocalDpi xmlns:a14="http://schemas.microsoft.com/office/drawing/2010/main" val="0"/>
+              </a:ext>
+            </a:extLst>
+          </a:blip>
+          <a:srcRect/>
+          <a:stretch>
+            <a:fillRect/>
+          </a:stretch>
+        </p:blipFill>
+        <p:spPr bwMode="auto">
+          <a:xfrm>
+            <a:off x="677334" y="3577377"/>
+            <a:ext cx="10763250" cy="1590675"/>
+          </a:xfrm>
+          <a:prstGeom prst="rect">
+            <a:avLst/>
+          </a:prstGeom>
+          <a:noFill/>
+          <a:extLst>
+            <a:ext uri="{909E8E84-426E-40DD-AFC4-6F175D3DCCD1}">
+              <a14:hiddenFill xmlns:a14="http://schemas.microsoft.com/office/drawing/2010/main">
+                <a:solidFill>
+                  <a:srgbClr val="FFFFFF"/>
+                </a:solidFill>
+              </a14:hiddenFill>
+            </a:ext>
+          </a:extLst>
+        </p:spPr>
+      </p:pic>
+      <p:pic>
+        <p:nvPicPr>
+          <p:cNvPr id="1034" name="Picture 10" descr="wWgUCm1F8DDAA5Fz2EfgM8DeDH6t7wEa7BkIiIiootKaa3H+hyIiIiIiIiIiAjsUUNERERERERElDLYUENERERERERElCLYUENERERERERElCLYUENERERERERElCLYUENERERERERElCLYUENERERERERElCLYUENERERERERElCLYUENERERERERElCL+fzoB3l2pwe6xAAAAAElFTkSuQmCC (1130×167)">
+            <a:extLst>
+              <a:ext uri="{FF2B5EF4-FFF2-40B4-BE49-F238E27FC236}">
+                <a16:creationId xmlns:a16="http://schemas.microsoft.com/office/drawing/2014/main" id="{6EA90E1A-6F64-4047-92E5-7B4801BF748F}"/>
+              </a:ext>
+            </a:extLst>
+          </p:cNvPr>
+          <p:cNvPicPr>
+            <a:picLocks noChangeAspect="1" noChangeArrowheads="1"/>
+          </p:cNvPicPr>
+          <p:nvPr/>
+        </p:nvPicPr>
+        <p:blipFill>
+          <a:blip r:embed="rId4">
+            <a:extLst>
+              <a:ext uri="{28A0092B-C50C-407E-A947-70E740481C1C}">
+                <a14:useLocalDpi xmlns:a14="http://schemas.microsoft.com/office/drawing/2010/main" val="0"/>
+              </a:ext>
+            </a:extLst>
+          </a:blip>
+          <a:srcRect/>
+          <a:stretch>
+            <a:fillRect/>
+          </a:stretch>
+        </p:blipFill>
+        <p:spPr bwMode="auto">
+          <a:xfrm>
+            <a:off x="677334" y="5168052"/>
+            <a:ext cx="10763250" cy="1590675"/>
+          </a:xfrm>
+          <a:prstGeom prst="rect">
+            <a:avLst/>
+          </a:prstGeom>
+          <a:noFill/>
+          <a:extLst>
+            <a:ext uri="{909E8E84-426E-40DD-AFC4-6F175D3DCCD1}">
+              <a14:hiddenFill xmlns:a14="http://schemas.microsoft.com/office/drawing/2010/main">
+                <a:solidFill>
+                  <a:srgbClr val="FFFFFF"/>
+                </a:solidFill>
+              </a14:hiddenFill>
+            </a:ext>
+          </a:extLst>
+        </p:spPr>
+      </p:pic>
+      <p:sp>
+        <p:nvSpPr>
+          <p:cNvPr id="13" name="Title 1">
+            <a:extLst>
+              <a:ext uri="{FF2B5EF4-FFF2-40B4-BE49-F238E27FC236}">
+                <a16:creationId xmlns:a16="http://schemas.microsoft.com/office/drawing/2014/main" id="{A663A0F6-99AA-4E10-8D8B-427038A78908}"/>
+              </a:ext>
+            </a:extLst>
+          </p:cNvPr>
+          <p:cNvSpPr txBox="1">
+            <a:spLocks/>
+          </p:cNvSpPr>
+          <p:nvPr/>
+        </p:nvSpPr>
+        <p:spPr>
+          <a:xfrm>
+            <a:off x="829734" y="565354"/>
+            <a:ext cx="8596668" cy="1320800"/>
+          </a:xfrm>
+          <a:prstGeom prst="rect">
+            <a:avLst/>
+          </a:prstGeom>
+        </p:spPr>
+        <p:txBody>
+          <a:bodyPr vert="horz" lIns="91440" tIns="45720" rIns="91440" bIns="45720" rtlCol="0" anchor="t">
+            <a:normAutofit/>
+          </a:bodyPr>
+          <a:lstStyle>
+            <a:lvl1pPr algn="l" defTabSz="457200" rtl="0" eaLnBrk="1" latinLnBrk="0" hangingPunct="1">
+              <a:spcBef>
+                <a:spcPct val="0"/>
+              </a:spcBef>
+              <a:buNone/>
+              <a:defRPr sz="3600" kern="1200">
+                <a:solidFill>
+                  <a:schemeClr val="accent1"/>
+                </a:solidFill>
+                <a:latin typeface="+mj-lt"/>
+                <a:ea typeface="+mj-ea"/>
+                <a:cs typeface="+mj-cs"/>
+              </a:defRPr>
+            </a:lvl1pPr>
+            <a:lvl2pPr eaLnBrk="1" hangingPunct="1">
+              <a:defRPr>
+                <a:solidFill>
+                  <a:schemeClr val="tx2"/>
+                </a:solidFill>
+              </a:defRPr>
+            </a:lvl2pPr>
+            <a:lvl3pPr eaLnBrk="1" hangingPunct="1">
+              <a:defRPr>
+                <a:solidFill>
+                  <a:schemeClr val="tx2"/>
+                </a:solidFill>
+              </a:defRPr>
+            </a:lvl3pPr>
+            <a:lvl4pPr eaLnBrk="1" hangingPunct="1">
+              <a:defRPr>
+                <a:solidFill>
+                  <a:schemeClr val="tx2"/>
+                </a:solidFill>
+              </a:defRPr>
+            </a:lvl4pPr>
+            <a:lvl5pPr eaLnBrk="1" hangingPunct="1">
+              <a:defRPr>
+                <a:solidFill>
+                  <a:schemeClr val="tx2"/>
+                </a:solidFill>
+              </a:defRPr>
+            </a:lvl5pPr>
+            <a:lvl6pPr eaLnBrk="1" hangingPunct="1">
+              <a:defRPr>
+                <a:solidFill>
+                  <a:schemeClr val="tx2"/>
+                </a:solidFill>
+              </a:defRPr>
+            </a:lvl6pPr>
+            <a:lvl7pPr eaLnBrk="1" hangingPunct="1">
+              <a:defRPr>
+                <a:solidFill>
+                  <a:schemeClr val="tx2"/>
+                </a:solidFill>
+              </a:defRPr>
+            </a:lvl7pPr>
+            <a:lvl8pPr eaLnBrk="1" hangingPunct="1">
+              <a:defRPr>
+                <a:solidFill>
+                  <a:schemeClr val="tx2"/>
+                </a:solidFill>
+              </a:defRPr>
+            </a:lvl8pPr>
+            <a:lvl9pPr eaLnBrk="1" hangingPunct="1">
+              <a:defRPr>
+                <a:solidFill>
+                  <a:schemeClr val="tx2"/>
+                </a:solidFill>
+              </a:defRPr>
+            </a:lvl9pPr>
+          </a:lstStyle>
+          <a:p>
+            <a:r>
+              <a:rPr lang="en-US" dirty="0"/>
+              <a:t>Adversarial Attacked</a:t>
+            </a:r>
+          </a:p>
+        </p:txBody>
+      </p:sp>
+    </p:spTree>
+    <p:extLst>
+      <p:ext uri="{BB962C8B-B14F-4D97-AF65-F5344CB8AC3E}">
+        <p14:creationId xmlns:p14="http://schemas.microsoft.com/office/powerpoint/2010/main" val="4204231589"/>
+      </p:ext>
+    </p:extLst>
+  </p:cSld>
+  <p:clrMapOvr>
+    <a:masterClrMapping/>
+  </p:clrMapOvr>
+  <mc:AlternateContent xmlns:mc="http://schemas.openxmlformats.org/markup-compatibility/2006" xmlns:p14="http://schemas.microsoft.com/office/powerpoint/2010/main">
+    <mc:Choice Requires="p14">
+      <p:transition spd="slow" p14:dur="1250">
+        <p14:switch dir="r"/>
+      </p:transition>
+    </mc:Choice>
+    <mc:Fallback xmlns="">
+      <p:transition spd="slow">
+        <p:fade/>
+      </p:transition>
+    </mc:Fallback>
+  </mc:AlternateContent>
+  <p:timing>
+    <p:tnLst>
+      <p:par>
+        <p:cTn id="1" dur="indefinite" restart="never" nodeType="tmRoot">
+          <p:childTnLst>
+            <p:seq concurrent="1" nextAc="seek">
+              <p:cTn id="2" dur="indefinite" nodeType="mainSeq">
+                <p:childTnLst>
+                  <p:par>
+                    <p:cTn id="3" fill="hold">
+                      <p:stCondLst>
+                        <p:cond delay="indefinite"/>
+                        <p:cond evt="onBegin" delay="0">
+                          <p:tn val="2"/>
+                        </p:cond>
+                      </p:stCondLst>
+                      <p:childTnLst>
+                        <p:par>
+                          <p:cTn id="4" fill="hold">
+                            <p:stCondLst>
+                              <p:cond delay="0"/>
+                            </p:stCondLst>
+                            <p:childTnLst>
+                              <p:par>
+                                <p:cTn id="5" presetID="47" presetClass="entr" presetSubtype="0" fill="hold" grpId="0" nodeType="afterEffect">
+                                  <p:stCondLst>
+                                    <p:cond delay="0"/>
+                                  </p:stCondLst>
+                                  <p:childTnLst>
+                                    <p:set>
+                                      <p:cBhvr>
+                                        <p:cTn id="6" dur="1" fill="hold">
+                                          <p:stCondLst>
+                                            <p:cond delay="0"/>
+                                          </p:stCondLst>
+                                        </p:cTn>
+                                        <p:tgtEl>
+                                          <p:spTgt spid="2"/>
+                                        </p:tgtEl>
+                                        <p:attrNameLst>
+                                          <p:attrName>style.visibility</p:attrName>
+                                        </p:attrNameLst>
+                                      </p:cBhvr>
+                                      <p:to>
+                                        <p:strVal val="visible"/>
+                                      </p:to>
+                                    </p:set>
+                                    <p:animEffect transition="in" filter="fade">
+                                      <p:cBhvr>
+                                        <p:cTn id="7" dur="500"/>
+                                        <p:tgtEl>
+                                          <p:spTgt spid="2"/>
+                                        </p:tgtEl>
+                                      </p:cBhvr>
+                                    </p:animEffect>
+                                    <p:anim calcmode="lin" valueType="num">
+                                      <p:cBhvr>
+                                        <p:cTn id="8" dur="500" fill="hold"/>
+                                        <p:tgtEl>
+                                          <p:spTgt spid="2"/>
+                                        </p:tgtEl>
+                                        <p:attrNameLst>
+                                          <p:attrName>ppt_x</p:attrName>
+                                        </p:attrNameLst>
+                                      </p:cBhvr>
+                                      <p:tavLst>
+                                        <p:tav tm="0">
+                                          <p:val>
+                                            <p:strVal val="#ppt_x"/>
+                                          </p:val>
+                                        </p:tav>
+                                        <p:tav tm="100000">
+                                          <p:val>
+                                            <p:strVal val="#ppt_x"/>
+                                          </p:val>
+                                        </p:tav>
+                                      </p:tavLst>
+                                    </p:anim>
+                                    <p:anim calcmode="lin" valueType="num">
+                                      <p:cBhvr>
+                                        <p:cTn id="9" dur="500" fill="hold"/>
+                                        <p:tgtEl>
+                                          <p:spTgt spid="2"/>
+                                        </p:tgtEl>
+                                        <p:attrNameLst>
+                                          <p:attrName>ppt_y</p:attrName>
+                                        </p:attrNameLst>
+                                      </p:cBhvr>
+                                      <p:tavLst>
+                                        <p:tav tm="0">
+                                          <p:val>
+                                            <p:strVal val="#ppt_y-.1"/>
+                                          </p:val>
+                                        </p:tav>
+                                        <p:tav tm="100000">
+                                          <p:val>
+                                            <p:strVal val="#ppt_y"/>
+                                          </p:val>
+                                        </p:tav>
+                                      </p:tavLst>
+                                    </p:anim>
+                                  </p:childTnLst>
+                                </p:cTn>
+                              </p:par>
+                              <p:par>
+                                <p:cTn id="10" presetID="52" presetClass="entr" presetSubtype="0" fill="hold" grpId="0" nodeType="withEffect">
+                                  <p:stCondLst>
+                                    <p:cond delay="0"/>
+                                  </p:stCondLst>
+                                  <p:childTnLst>
+                                    <p:set>
+                                      <p:cBhvr>
+                                        <p:cTn id="11" dur="1" fill="hold">
+                                          <p:stCondLst>
+                                            <p:cond delay="0"/>
+                                          </p:stCondLst>
+                                        </p:cTn>
+                                        <p:tgtEl>
+                                          <p:spTgt spid="7"/>
+                                        </p:tgtEl>
+                                        <p:attrNameLst>
+                                          <p:attrName>style.visibility</p:attrName>
+                                        </p:attrNameLst>
+                                      </p:cBhvr>
+                                      <p:to>
+                                        <p:strVal val="visible"/>
+                                      </p:to>
+                                    </p:set>
+                                    <p:animScale>
+                                      <p:cBhvr>
+                                        <p:cTn id="12" dur="1000" decel="50000" fill="hold">
+                                          <p:stCondLst>
+                                            <p:cond delay="0"/>
+                                          </p:stCondLst>
+                                        </p:cTn>
+                                        <p:tgtEl>
+                                          <p:spTgt spid="7"/>
+                                        </p:tgtEl>
+                                      </p:cBhvr>
+                                      <p:from x="250000" y="250000"/>
+                                      <p:to x="100000" y="100000"/>
+                                    </p:animScale>
+                                    <p:animMotion origin="layout" path="M -0.46736 0.92887  C -0.37517 0.88508  -0.02552 0.75279  0.0908 0.66613  C  0.20747 0.57948  0.21649 0.50394  0.23177 0.40825  C 0.24705 0.31256  0.22118 0.15964   0.18264 0.09152  C 0.1441 0.02341  0.03802 0.0  0.0 0.0  " pathEditMode="relative" ptsTypes="">
+                                      <p:cBhvr>
+                                        <p:cTn id="13" dur="1000" decel="50000" fill="hold">
+                                          <p:stCondLst>
+                                            <p:cond delay="0"/>
+                                          </p:stCondLst>
+                                        </p:cTn>
+                                        <p:tgtEl>
+                                          <p:spTgt spid="7"/>
+                                        </p:tgtEl>
+                                        <p:attrNameLst>
+                                          <p:attrName>ppt_x</p:attrName>
+                                          <p:attrName>ppt_y</p:attrName>
+                                        </p:attrNameLst>
+                                      </p:cBhvr>
+                                    </p:animMotion>
+                                    <p:animEffect transition="in" filter="fade">
+                                      <p:cBhvr>
+                                        <p:cTn id="14" dur="1000"/>
+                                        <p:tgtEl>
+                                          <p:spTgt spid="7"/>
+                                        </p:tgtEl>
+                                      </p:cBhvr>
+                                    </p:animEffect>
+                                  </p:childTnLst>
+                                </p:cTn>
+                              </p:par>
+                              <p:par>
+                                <p:cTn id="15" presetID="52" presetClass="entr" presetSubtype="0" fill="hold" grpId="0" nodeType="withEffect">
+                                  <p:stCondLst>
+                                    <p:cond delay="0"/>
+                                  </p:stCondLst>
+                                  <p:childTnLst>
+                                    <p:set>
+                                      <p:cBhvr>
+                                        <p:cTn id="16" dur="1" fill="hold">
+                                          <p:stCondLst>
+                                            <p:cond delay="0"/>
+                                          </p:stCondLst>
+                                        </p:cTn>
+                                        <p:tgtEl>
+                                          <p:spTgt spid="5"/>
+                                        </p:tgtEl>
+                                        <p:attrNameLst>
+                                          <p:attrName>style.visibility</p:attrName>
+                                        </p:attrNameLst>
+                                      </p:cBhvr>
+                                      <p:to>
+                                        <p:strVal val="visible"/>
+                                      </p:to>
+                                    </p:set>
+                                    <p:animScale>
+                                      <p:cBhvr>
+                                        <p:cTn id="17" dur="1000" decel="50000" fill="hold">
+                                          <p:stCondLst>
+                                            <p:cond delay="0"/>
+                                          </p:stCondLst>
+                                        </p:cTn>
+                                        <p:tgtEl>
+                                          <p:spTgt spid="5"/>
+                                        </p:tgtEl>
+                                      </p:cBhvr>
+                                      <p:from x="250000" y="250000"/>
+                                      <p:to x="100000" y="100000"/>
+                                    </p:animScale>
+                                    <p:animMotion origin="layout" path="M -0.46736 0.92887  C -0.37517 0.88508  -0.02552 0.75279  0.0908 0.66613  C  0.20747 0.57948  0.21649 0.50394  0.23177 0.40825  C 0.24705 0.31256  0.22118 0.15964   0.18264 0.09152  C 0.1441 0.02341  0.03802 0.0  0.0 0.0  " pathEditMode="relative" ptsTypes="">
+                                      <p:cBhvr>
+                                        <p:cTn id="18" dur="1000" decel="50000" fill="hold">
+                                          <p:stCondLst>
+                                            <p:cond delay="0"/>
+                                          </p:stCondLst>
+                                        </p:cTn>
+                                        <p:tgtEl>
+                                          <p:spTgt spid="5"/>
+                                        </p:tgtEl>
+                                        <p:attrNameLst>
+                                          <p:attrName>ppt_x</p:attrName>
+                                          <p:attrName>ppt_y</p:attrName>
+                                        </p:attrNameLst>
+                                      </p:cBhvr>
+                                    </p:animMotion>
+                                    <p:animEffect transition="in" filter="fade">
+                                      <p:cBhvr>
+                                        <p:cTn id="19" dur="1000"/>
+                                        <p:tgtEl>
+                                          <p:spTgt spid="5"/>
+                                        </p:tgtEl>
+                                      </p:cBhvr>
+                                    </p:animEffect>
+                                  </p:childTnLst>
+                                </p:cTn>
+                              </p:par>
+                              <p:par>
+                                <p:cTn id="20" presetID="52" presetClass="entr" presetSubtype="0" fill="hold" nodeType="withEffect">
+                                  <p:stCondLst>
+                                    <p:cond delay="0"/>
+                                  </p:stCondLst>
+                                  <p:childTnLst>
+                                    <p:set>
+                                      <p:cBhvr>
+                                        <p:cTn id="21" dur="1" fill="hold">
+                                          <p:stCondLst>
+                                            <p:cond delay="0"/>
+                                          </p:stCondLst>
+                                        </p:cTn>
+                                        <p:tgtEl>
+                                          <p:spTgt spid="1030"/>
+                                        </p:tgtEl>
+                                        <p:attrNameLst>
+                                          <p:attrName>style.visibility</p:attrName>
+                                        </p:attrNameLst>
+                                      </p:cBhvr>
+                                      <p:to>
+                                        <p:strVal val="visible"/>
+                                      </p:to>
+                                    </p:set>
+                                    <p:animScale>
+                                      <p:cBhvr>
+                                        <p:cTn id="22" dur="1000" decel="50000" fill="hold">
+                                          <p:stCondLst>
+                                            <p:cond delay="0"/>
+                                          </p:stCondLst>
+                                        </p:cTn>
+                                        <p:tgtEl>
+                                          <p:spTgt spid="1030"/>
+                                        </p:tgtEl>
+                                      </p:cBhvr>
+                                      <p:from x="250000" y="250000"/>
+                                      <p:to x="100000" y="100000"/>
+                                    </p:animScale>
+                                    <p:animMotion origin="layout" path="M -0.46736 0.92887  C -0.37517 0.88508  -0.02552 0.75279  0.0908 0.66613  C  0.20747 0.57948  0.21649 0.50394  0.23177 0.40825  C 0.24705 0.31256  0.22118 0.15964   0.18264 0.09152  C 0.1441 0.02341  0.03802 0.0  0.0 0.0  " pathEditMode="relative" ptsTypes="">
+                                      <p:cBhvr>
+                                        <p:cTn id="23" dur="1000" decel="50000" fill="hold">
+                                          <p:stCondLst>
+                                            <p:cond delay="0"/>
+                                          </p:stCondLst>
+                                        </p:cTn>
+                                        <p:tgtEl>
+                                          <p:spTgt spid="1030"/>
+                                        </p:tgtEl>
+                                        <p:attrNameLst>
+                                          <p:attrName>ppt_x</p:attrName>
+                                          <p:attrName>ppt_y</p:attrName>
+                                        </p:attrNameLst>
+                                      </p:cBhvr>
+                                    </p:animMotion>
+                                    <p:animEffect transition="in" filter="fade">
+                                      <p:cBhvr>
+                                        <p:cTn id="24" dur="1000"/>
+                                        <p:tgtEl>
+                                          <p:spTgt spid="1030"/>
+                                        </p:tgtEl>
+                                      </p:cBhvr>
+                                    </p:animEffect>
+                                  </p:childTnLst>
+                                </p:cTn>
+                              </p:par>
+                              <p:par>
+                                <p:cTn id="25" presetID="52" presetClass="entr" presetSubtype="0" fill="hold" nodeType="withEffect">
+                                  <p:stCondLst>
+                                    <p:cond delay="0"/>
+                                  </p:stCondLst>
+                                  <p:childTnLst>
+                                    <p:set>
+                                      <p:cBhvr>
+                                        <p:cTn id="26" dur="1" fill="hold">
+                                          <p:stCondLst>
+                                            <p:cond delay="0"/>
+                                          </p:stCondLst>
+                                        </p:cTn>
+                                        <p:tgtEl>
+                                          <p:spTgt spid="1032"/>
+                                        </p:tgtEl>
+                                        <p:attrNameLst>
+                                          <p:attrName>style.visibility</p:attrName>
+                                        </p:attrNameLst>
+                                      </p:cBhvr>
+                                      <p:to>
+                                        <p:strVal val="visible"/>
+                                      </p:to>
+                                    </p:set>
+                                    <p:animScale>
+                                      <p:cBhvr>
+                                        <p:cTn id="27" dur="1000" decel="50000" fill="hold">
+                                          <p:stCondLst>
+                                            <p:cond delay="0"/>
+                                          </p:stCondLst>
+                                        </p:cTn>
+                                        <p:tgtEl>
+                                          <p:spTgt spid="1032"/>
+                                        </p:tgtEl>
+                                      </p:cBhvr>
+                                      <p:from x="250000" y="250000"/>
+                                      <p:to x="100000" y="100000"/>
+                                    </p:animScale>
+                                    <p:animMotion origin="layout" path="M -0.46736 0.92887  C -0.37517 0.88508  -0.02552 0.75279  0.0908 0.66613  C  0.20747 0.57948  0.21649 0.50394  0.23177 0.40825  C 0.24705 0.31256  0.22118 0.15964   0.18264 0.09152  C 0.1441 0.02341  0.03802 0.0  0.0 0.0  " pathEditMode="relative" ptsTypes="">
+                                      <p:cBhvr>
+                                        <p:cTn id="28" dur="1000" decel="50000" fill="hold">
+                                          <p:stCondLst>
+                                            <p:cond delay="0"/>
+                                          </p:stCondLst>
+                                        </p:cTn>
+                                        <p:tgtEl>
+                                          <p:spTgt spid="1032"/>
+                                        </p:tgtEl>
+                                        <p:attrNameLst>
+                                          <p:attrName>ppt_x</p:attrName>
+                                          <p:attrName>ppt_y</p:attrName>
+                                        </p:attrNameLst>
+                                      </p:cBhvr>
+                                    </p:animMotion>
+                                    <p:animEffect transition="in" filter="fade">
+                                      <p:cBhvr>
+                                        <p:cTn id="29" dur="1000"/>
+                                        <p:tgtEl>
+                                          <p:spTgt spid="1032"/>
+                                        </p:tgtEl>
+                                      </p:cBhvr>
+                                    </p:animEffect>
+                                  </p:childTnLst>
+                                </p:cTn>
+                              </p:par>
+                              <p:par>
+                                <p:cTn id="30" presetID="52" presetClass="entr" presetSubtype="0" fill="hold" nodeType="withEffect">
+                                  <p:stCondLst>
+                                    <p:cond delay="0"/>
+                                  </p:stCondLst>
+                                  <p:childTnLst>
+                                    <p:set>
+                                      <p:cBhvr>
+                                        <p:cTn id="31" dur="1" fill="hold">
+                                          <p:stCondLst>
+                                            <p:cond delay="0"/>
+                                          </p:stCondLst>
+                                        </p:cTn>
+                                        <p:tgtEl>
+                                          <p:spTgt spid="1034"/>
+                                        </p:tgtEl>
+                                        <p:attrNameLst>
+                                          <p:attrName>style.visibility</p:attrName>
+                                        </p:attrNameLst>
+                                      </p:cBhvr>
+                                      <p:to>
+                                        <p:strVal val="visible"/>
+                                      </p:to>
+                                    </p:set>
+                                    <p:animScale>
+                                      <p:cBhvr>
+                                        <p:cTn id="32" dur="1000" decel="50000" fill="hold">
+                                          <p:stCondLst>
+                                            <p:cond delay="0"/>
+                                          </p:stCondLst>
+                                        </p:cTn>
+                                        <p:tgtEl>
+                                          <p:spTgt spid="1034"/>
+                                        </p:tgtEl>
+                                      </p:cBhvr>
+                                      <p:from x="250000" y="250000"/>
+                                      <p:to x="100000" y="100000"/>
+                                    </p:animScale>
+                                    <p:animMotion origin="layout" path="M -0.46736 0.92887  C -0.37517 0.88508  -0.02552 0.75279  0.0908 0.66613  C  0.20747 0.57948  0.21649 0.50394  0.23177 0.40825  C 0.24705 0.31256  0.22118 0.15964   0.18264 0.09152  C 0.1441 0.02341  0.03802 0.0  0.0 0.0  " pathEditMode="relative" ptsTypes="">
+                                      <p:cBhvr>
+                                        <p:cTn id="33" dur="1000" decel="50000" fill="hold">
+                                          <p:stCondLst>
+                                            <p:cond delay="0"/>
+                                          </p:stCondLst>
+                                        </p:cTn>
+                                        <p:tgtEl>
+                                          <p:spTgt spid="1034"/>
+                                        </p:tgtEl>
+                                        <p:attrNameLst>
+                                          <p:attrName>ppt_x</p:attrName>
+                                          <p:attrName>ppt_y</p:attrName>
+                                        </p:attrNameLst>
+                                      </p:cBhvr>
+                                    </p:animMotion>
+                                    <p:animEffect transition="in" filter="fade">
+                                      <p:cBhvr>
+                                        <p:cTn id="34" dur="1000"/>
+                                        <p:tgtEl>
+                                          <p:spTgt spid="1034"/>
+                                        </p:tgtEl>
+                                      </p:cBhvr>
+                                    </p:animEffect>
+                                  </p:childTnLst>
+                                </p:cTn>
+                              </p:par>
+                            </p:childTnLst>
+                          </p:cTn>
+                        </p:par>
+                        <p:par>
+                          <p:cTn id="35" fill="hold">
+                            <p:stCondLst>
+                              <p:cond delay="1000"/>
+                            </p:stCondLst>
+                            <p:childTnLst>
+                              <p:par>
+                                <p:cTn id="36" presetID="2" presetClass="entr" presetSubtype="4" fill="hold" grpId="0" nodeType="afterEffect">
+                                  <p:stCondLst>
+                                    <p:cond delay="0"/>
+                                  </p:stCondLst>
+                                  <p:childTnLst>
+                                    <p:set>
+                                      <p:cBhvr>
+                                        <p:cTn id="37" dur="1" fill="hold">
+                                          <p:stCondLst>
+                                            <p:cond delay="0"/>
+                                          </p:stCondLst>
+                                        </p:cTn>
+                                        <p:tgtEl>
+                                          <p:spTgt spid="3">
+                                            <p:txEl>
+                                              <p:pRg st="0" end="0"/>
+                                            </p:txEl>
+                                          </p:spTgt>
+                                        </p:tgtEl>
+                                        <p:attrNameLst>
+                                          <p:attrName>style.visibility</p:attrName>
+                                        </p:attrNameLst>
+                                      </p:cBhvr>
+                                      <p:to>
+                                        <p:strVal val="visible"/>
+                                      </p:to>
+                                    </p:set>
+                                    <p:anim calcmode="lin" valueType="num">
+                                      <p:cBhvr additive="base">
+                                        <p:cTn id="38" dur="500" fill="hold"/>
+                                        <p:tgtEl>
+                                          <p:spTgt spid="3">
+                                            <p:txEl>
+                                              <p:pRg st="0" end="0"/>
+                                            </p:txEl>
+                                          </p:spTgt>
+                                        </p:tgtEl>
+                                        <p:attrNameLst>
+                                          <p:attrName>ppt_x</p:attrName>
+                                        </p:attrNameLst>
+                                      </p:cBhvr>
+                                      <p:tavLst>
+                                        <p:tav tm="0">
+                                          <p:val>
+                                            <p:strVal val="#ppt_x"/>
+                                          </p:val>
+                                        </p:tav>
+                                        <p:tav tm="100000">
+                                          <p:val>
+                                            <p:strVal val="#ppt_x"/>
+                                          </p:val>
+                                        </p:tav>
+                                      </p:tavLst>
+                                    </p:anim>
+                                    <p:anim calcmode="lin" valueType="num">
+                                      <p:cBhvr additive="base">
+                                        <p:cTn id="39" dur="500" fill="hold"/>
+                                        <p:tgtEl>
+                                          <p:spTgt spid="3">
+                                            <p:txEl>
+                                              <p:pRg st="0" end="0"/>
+                                            </p:txEl>
+                                          </p:spTgt>
+                                        </p:tgtEl>
+                                        <p:attrNameLst>
+                                          <p:attrName>ppt_y</p:attrName>
+                                        </p:attrNameLst>
+                                      </p:cBhvr>
+                                      <p:tavLst>
+                                        <p:tav tm="0">
+                                          <p:val>
+                                            <p:strVal val="1+#ppt_h/2"/>
+                                          </p:val>
+                                        </p:tav>
+                                        <p:tav tm="100000">
+                                          <p:val>
+                                            <p:strVal val="#ppt_y"/>
+                                          </p:val>
+                                        </p:tav>
+                                      </p:tavLst>
+                                    </p:anim>
+                                  </p:childTnLst>
+                                </p:cTn>
+                              </p:par>
+                            </p:childTnLst>
+                          </p:cTn>
+                        </p:par>
+                        <p:par>
+                          <p:cTn id="40" fill="hold">
+                            <p:stCondLst>
+                              <p:cond delay="1500"/>
+                            </p:stCondLst>
+                            <p:childTnLst>
+                              <p:par>
+                                <p:cTn id="41" presetID="47" presetClass="entr" presetSubtype="0" fill="hold" grpId="0" nodeType="afterEffect">
+                                  <p:stCondLst>
+                                    <p:cond delay="0"/>
+                                  </p:stCondLst>
+                                  <p:childTnLst>
+                                    <p:set>
+                                      <p:cBhvr>
+                                        <p:cTn id="42" dur="1" fill="hold">
+                                          <p:stCondLst>
+                                            <p:cond delay="0"/>
+                                          </p:stCondLst>
+                                        </p:cTn>
+                                        <p:tgtEl>
+                                          <p:spTgt spid="13"/>
+                                        </p:tgtEl>
+                                        <p:attrNameLst>
+                                          <p:attrName>style.visibility</p:attrName>
+                                        </p:attrNameLst>
+                                      </p:cBhvr>
+                                      <p:to>
+                                        <p:strVal val="visible"/>
+                                      </p:to>
+                                    </p:set>
+                                    <p:animEffect transition="in" filter="fade">
+                                      <p:cBhvr>
+                                        <p:cTn id="43" dur="500"/>
+                                        <p:tgtEl>
+                                          <p:spTgt spid="13"/>
+                                        </p:tgtEl>
+                                      </p:cBhvr>
+                                    </p:animEffect>
+                                    <p:anim calcmode="lin" valueType="num">
+                                      <p:cBhvr>
+                                        <p:cTn id="44" dur="500" fill="hold"/>
+                                        <p:tgtEl>
+                                          <p:spTgt spid="13"/>
+                                        </p:tgtEl>
+                                        <p:attrNameLst>
+                                          <p:attrName>ppt_x</p:attrName>
+                                        </p:attrNameLst>
+                                      </p:cBhvr>
+                                      <p:tavLst>
+                                        <p:tav tm="0">
+                                          <p:val>
+                                            <p:strVal val="#ppt_x"/>
+                                          </p:val>
+                                        </p:tav>
+                                        <p:tav tm="100000">
+                                          <p:val>
+                                            <p:strVal val="#ppt_x"/>
+                                          </p:val>
+                                        </p:tav>
+                                      </p:tavLst>
+                                    </p:anim>
+                                    <p:anim calcmode="lin" valueType="num">
+                                      <p:cBhvr>
+                                        <p:cTn id="45" dur="500" fill="hold"/>
+                                        <p:tgtEl>
+                                          <p:spTgt spid="13"/>
+                                        </p:tgtEl>
+                                        <p:attrNameLst>
+                                          <p:attrName>ppt_y</p:attrName>
+                                        </p:attrNameLst>
+                                      </p:cBhvr>
+                                      <p:tavLst>
+                                        <p:tav tm="0">
+                                          <p:val>
+                                            <p:strVal val="#ppt_y-.1"/>
+                                          </p:val>
+                                        </p:tav>
+                                        <p:tav tm="100000">
+                                          <p:val>
+                                            <p:strVal val="#ppt_y"/>
+                                          </p:val>
+                                        </p:tav>
+                                      </p:tavLst>
+                                    </p:anim>
+                                  </p:childTnLst>
+                                </p:cTn>
+                              </p:par>
+                            </p:childTnLst>
+                          </p:cTn>
+                        </p:par>
+                      </p:childTnLst>
+                    </p:cTn>
+                  </p:par>
+                </p:childTnLst>
+              </p:cTn>
+              <p:prevCondLst>
+                <p:cond evt="onPrev" delay="0">
+                  <p:tgtEl>
+                    <p:sldTgt/>
+                  </p:tgtEl>
+                </p:cond>
+              </p:prevCondLst>
+              <p:nextCondLst>
+                <p:cond evt="onNext" delay="0">
+                  <p:tgtEl>
+                    <p:sldTgt/>
+                  </p:tgtEl>
+                </p:cond>
+              </p:nextCondLst>
+            </p:seq>
+          </p:childTnLst>
+        </p:cTn>
+      </p:par>
+    </p:tnLst>
+    <p:bldLst>
+      <p:bldP spid="7" grpId="0" animBg="1"/>
+      <p:bldP spid="5" grpId="0" animBg="1"/>
+      <p:bldP spid="2" grpId="0"/>
+      <p:bldP spid="3" grpId="0" uiExpand="1" build="p"/>
+      <p:bldP spid="13" grpId="0"/>
+    </p:bldLst>
+  </p:timing>
+</p:sld>
+</file>
+
+<file path=ppt/slides/slide7.xml><?xml version="1.0" encoding="utf-8"?>
+<p:sld xmlns:a="http://schemas.openxmlformats.org/drawingml/2006/main" xmlns:r="http://schemas.openxmlformats.org/officeDocument/2006/relationships" xmlns:p="http://schemas.openxmlformats.org/presentationml/2006/main">
+  <p:cSld>
+    <p:spTree>
+      <p:nvGrpSpPr>
+        <p:cNvPr id="1" name=""/>
+        <p:cNvGrpSpPr/>
+        <p:nvPr/>
+      </p:nvGrpSpPr>
+      <p:grpSpPr>
+        <a:xfrm>
+          <a:off x="0" y="0"/>
+          <a:ext cx="0" cy="0"/>
+          <a:chOff x="0" y="0"/>
+          <a:chExt cx="0" cy="0"/>
+        </a:xfrm>
+      </p:grpSpPr>
+      <p:sp>
+        <p:nvSpPr>
           <p:cNvPr id="2" name="Title 1">
             <a:extLst>
               <a:ext uri="{FF2B5EF4-FFF2-40B4-BE49-F238E27FC236}">
@@ -8895,7 +11008,210 @@
             </a:lvl9pPr>
           </a:lstStyle>
           <a:p>
-            <a:endParaRPr lang="en-GB" sz="2000" dirty="0"/>
+            <a:r>
+              <a:rPr lang="en-US" sz="2000" dirty="0">
+                <a:solidFill>
+                  <a:schemeClr val="accent3"/>
+                </a:solidFill>
+              </a:rPr>
+              <a:t>SHAP</a:t>
+            </a:r>
+            <a:r>
+              <a:rPr lang="en-US" sz="2000" dirty="0"/>
+              <a:t> is an improved version of </a:t>
+            </a:r>
+            <a:r>
+              <a:rPr lang="en-US" sz="2000" dirty="0">
+                <a:solidFill>
+                  <a:schemeClr val="accent3"/>
+                </a:solidFill>
+              </a:rPr>
+              <a:t>LIME</a:t>
+            </a:r>
+            <a:r>
+              <a:rPr lang="en-US" sz="2000" dirty="0"/>
+              <a:t>.</a:t>
+            </a:r>
+          </a:p>
+          <a:p>
+            <a:r>
+              <a:rPr lang="en-US" sz="2000" dirty="0"/>
+              <a:t>Although </a:t>
+            </a:r>
+            <a:r>
+              <a:rPr lang="en-US" sz="2000" dirty="0">
+                <a:solidFill>
+                  <a:schemeClr val="accent3"/>
+                </a:solidFill>
+              </a:rPr>
+              <a:t>LIME</a:t>
+            </a:r>
+            <a:r>
+              <a:rPr lang="en-US" sz="2000" dirty="0"/>
+              <a:t> has the </a:t>
+            </a:r>
+            <a:r>
+              <a:rPr lang="en-US" sz="2000" dirty="0">
+                <a:solidFill>
+                  <a:schemeClr val="accent1"/>
+                </a:solidFill>
+              </a:rPr>
+              <a:t>desirable property of additivity</a:t>
+            </a:r>
+            <a:r>
+              <a:rPr lang="en-US" sz="2000" dirty="0"/>
+              <a:t>, it has got some criticism on </a:t>
+            </a:r>
+            <a:r>
+              <a:rPr lang="en-US" sz="2000" dirty="0">
+                <a:solidFill>
+                  <a:schemeClr val="accent4"/>
+                </a:solidFill>
+              </a:rPr>
+              <a:t>lack of stability</a:t>
+            </a:r>
+            <a:r>
+              <a:rPr lang="en-US" sz="2000" dirty="0"/>
+              <a:t>, </a:t>
+            </a:r>
+            <a:r>
+              <a:rPr lang="en-US" sz="2000" dirty="0">
+                <a:solidFill>
+                  <a:schemeClr val="accent4"/>
+                </a:solidFill>
+              </a:rPr>
+              <a:t>consistency</a:t>
+            </a:r>
+            <a:r>
+              <a:rPr lang="en-US" sz="2000" dirty="0"/>
+              <a:t> and </a:t>
+            </a:r>
+            <a:r>
+              <a:rPr lang="en-US" sz="2000" dirty="0">
+                <a:solidFill>
+                  <a:schemeClr val="accent4"/>
+                </a:solidFill>
+              </a:rPr>
+              <a:t>missingness</a:t>
+            </a:r>
+            <a:r>
+              <a:rPr lang="en-US" sz="2000" dirty="0"/>
+              <a:t>. </a:t>
+            </a:r>
+          </a:p>
+          <a:p>
+            <a:r>
+              <a:rPr lang="en-US" sz="2000" dirty="0"/>
+              <a:t>All three properties are </a:t>
+            </a:r>
+            <a:r>
+              <a:rPr lang="en-US" sz="2000" dirty="0">
+                <a:solidFill>
+                  <a:schemeClr val="accent1"/>
+                </a:solidFill>
+              </a:rPr>
+              <a:t>fulfilled</a:t>
+            </a:r>
+            <a:r>
+              <a:rPr lang="en-US" sz="2000" dirty="0"/>
+              <a:t> by </a:t>
+            </a:r>
+            <a:r>
+              <a:rPr lang="en-US" sz="2000" dirty="0">
+                <a:solidFill>
+                  <a:schemeClr val="accent3"/>
+                </a:solidFill>
+              </a:rPr>
+              <a:t>SHAP</a:t>
+            </a:r>
+            <a:r>
+              <a:rPr lang="en-US" sz="2000" dirty="0"/>
+              <a:t>.</a:t>
+            </a:r>
+          </a:p>
+          <a:p>
+            <a:r>
+              <a:rPr lang="en-US" sz="2000" dirty="0"/>
+              <a:t>On the other hand, </a:t>
+            </a:r>
+            <a:r>
+              <a:rPr lang="en-US" sz="2000" dirty="0">
+                <a:solidFill>
+                  <a:schemeClr val="accent3"/>
+                </a:solidFill>
+              </a:rPr>
+              <a:t>SHAP-ley</a:t>
+            </a:r>
+            <a:r>
+              <a:rPr lang="en-US" sz="2000" dirty="0"/>
+              <a:t> value </a:t>
+            </a:r>
+            <a:r>
+              <a:rPr lang="en-US" sz="2000" dirty="0">
+                <a:solidFill>
+                  <a:schemeClr val="accent4"/>
+                </a:solidFill>
+              </a:rPr>
+              <a:t>requires a lot of computing time</a:t>
+            </a:r>
+            <a:r>
+              <a:rPr lang="en-US" sz="2000" dirty="0"/>
+              <a:t>.</a:t>
+            </a:r>
+          </a:p>
+          <a:p>
+            <a:r>
+              <a:rPr lang="en-US" sz="2000" dirty="0"/>
+              <a:t>The </a:t>
+            </a:r>
+            <a:r>
+              <a:rPr lang="en-US" sz="2000" dirty="0">
+                <a:solidFill>
+                  <a:schemeClr val="accent3"/>
+                </a:solidFill>
+              </a:rPr>
+              <a:t>Shapley</a:t>
+            </a:r>
+            <a:r>
+              <a:rPr lang="en-US" sz="2000" dirty="0"/>
+              <a:t> value can be </a:t>
+            </a:r>
+            <a:r>
+              <a:rPr lang="en-US" sz="2000" dirty="0">
+                <a:solidFill>
+                  <a:schemeClr val="accent4"/>
+                </a:solidFill>
+              </a:rPr>
+              <a:t>misinterpreted</a:t>
+            </a:r>
+            <a:r>
+              <a:rPr lang="en-US" sz="2000" dirty="0"/>
+              <a:t> and </a:t>
+            </a:r>
+            <a:r>
+              <a:rPr lang="en-US" sz="2000" dirty="0">
+                <a:solidFill>
+                  <a:schemeClr val="accent4"/>
+                </a:solidFill>
+              </a:rPr>
+              <a:t>needs access to the data </a:t>
+            </a:r>
+            <a:r>
+              <a:rPr lang="en-US" sz="2000" dirty="0"/>
+              <a:t>to calculate the value for a </a:t>
+            </a:r>
+            <a:r>
+              <a:rPr lang="en-US" sz="2000" dirty="0">
+                <a:solidFill>
+                  <a:schemeClr val="accent3"/>
+                </a:solidFill>
+              </a:rPr>
+              <a:t>new data instance</a:t>
+            </a:r>
+            <a:r>
+              <a:rPr lang="en-US" sz="2000" dirty="0"/>
+              <a:t>.</a:t>
+            </a:r>
           </a:p>
         </p:txBody>
       </p:sp>
@@ -9035,15 +11351,10 @@
                             </p:stCondLst>
                             <p:childTnLst>
                               <p:par>
-                                <p:cTn id="11" presetID="2" presetClass="entr" presetSubtype="4" fill="hold" grpId="0" nodeType="afterEffect" nodePh="1">
+                                <p:cTn id="11" presetID="2" presetClass="entr" presetSubtype="4" fill="hold" grpId="0" nodeType="afterEffect">
                                   <p:stCondLst>
                                     <p:cond delay="0"/>
                                   </p:stCondLst>
-                                  <p:endCondLst>
-                                    <p:cond evt="begin" delay="0">
-                                      <p:tn val="11"/>
-                                    </p:cond>
-                                  </p:endCondLst>
                                   <p:childTnLst>
                                     <p:set>
                                       <p:cBhvr>
@@ -9101,6 +11412,382 @@
                                           <p:spTgt spid="4">
                                             <p:txEl>
                                               <p:pRg st="0" end="0"/>
+                                            </p:txEl>
+                                          </p:spTgt>
+                                        </p:tgtEl>
+                                        <p:attrNameLst>
+                                          <p:attrName>ppt_y</p:attrName>
+                                        </p:attrNameLst>
+                                      </p:cBhvr>
+                                      <p:tavLst>
+                                        <p:tav tm="0">
+                                          <p:val>
+                                            <p:strVal val="1+#ppt_h/2"/>
+                                          </p:val>
+                                        </p:tav>
+                                        <p:tav tm="100000">
+                                          <p:val>
+                                            <p:strVal val="#ppt_y"/>
+                                          </p:val>
+                                        </p:tav>
+                                      </p:tavLst>
+                                    </p:anim>
+                                  </p:childTnLst>
+                                </p:cTn>
+                              </p:par>
+                            </p:childTnLst>
+                          </p:cTn>
+                        </p:par>
+                        <p:par>
+                          <p:cTn id="15" fill="hold">
+                            <p:stCondLst>
+                              <p:cond delay="1000"/>
+                            </p:stCondLst>
+                            <p:childTnLst>
+                              <p:par>
+                                <p:cTn id="16" presetID="2" presetClass="entr" presetSubtype="4" fill="hold" grpId="0" nodeType="afterEffect">
+                                  <p:stCondLst>
+                                    <p:cond delay="0"/>
+                                  </p:stCondLst>
+                                  <p:childTnLst>
+                                    <p:set>
+                                      <p:cBhvr>
+                                        <p:cTn id="17" dur="1" fill="hold">
+                                          <p:stCondLst>
+                                            <p:cond delay="0"/>
+                                          </p:stCondLst>
+                                        </p:cTn>
+                                        <p:tgtEl>
+                                          <p:spTgt spid="4">
+                                            <p:txEl>
+                                              <p:pRg st="1" end="1"/>
+                                            </p:txEl>
+                                          </p:spTgt>
+                                        </p:tgtEl>
+                                        <p:attrNameLst>
+                                          <p:attrName>style.visibility</p:attrName>
+                                        </p:attrNameLst>
+                                      </p:cBhvr>
+                                      <p:to>
+                                        <p:strVal val="visible"/>
+                                      </p:to>
+                                    </p:set>
+                                    <p:anim calcmode="lin" valueType="num">
+                                      <p:cBhvr additive="base">
+                                        <p:cTn id="18" dur="500" fill="hold"/>
+                                        <p:tgtEl>
+                                          <p:spTgt spid="4">
+                                            <p:txEl>
+                                              <p:pRg st="1" end="1"/>
+                                            </p:txEl>
+                                          </p:spTgt>
+                                        </p:tgtEl>
+                                        <p:attrNameLst>
+                                          <p:attrName>ppt_x</p:attrName>
+                                        </p:attrNameLst>
+                                      </p:cBhvr>
+                                      <p:tavLst>
+                                        <p:tav tm="0">
+                                          <p:val>
+                                            <p:strVal val="#ppt_x"/>
+                                          </p:val>
+                                        </p:tav>
+                                        <p:tav tm="100000">
+                                          <p:val>
+                                            <p:strVal val="#ppt_x"/>
+                                          </p:val>
+                                        </p:tav>
+                                      </p:tavLst>
+                                    </p:anim>
+                                    <p:anim calcmode="lin" valueType="num">
+                                      <p:cBhvr additive="base">
+                                        <p:cTn id="19" dur="500" fill="hold"/>
+                                        <p:tgtEl>
+                                          <p:spTgt spid="4">
+                                            <p:txEl>
+                                              <p:pRg st="1" end="1"/>
+                                            </p:txEl>
+                                          </p:spTgt>
+                                        </p:tgtEl>
+                                        <p:attrNameLst>
+                                          <p:attrName>ppt_y</p:attrName>
+                                        </p:attrNameLst>
+                                      </p:cBhvr>
+                                      <p:tavLst>
+                                        <p:tav tm="0">
+                                          <p:val>
+                                            <p:strVal val="1+#ppt_h/2"/>
+                                          </p:val>
+                                        </p:tav>
+                                        <p:tav tm="100000">
+                                          <p:val>
+                                            <p:strVal val="#ppt_y"/>
+                                          </p:val>
+                                        </p:tav>
+                                      </p:tavLst>
+                                    </p:anim>
+                                  </p:childTnLst>
+                                </p:cTn>
+                              </p:par>
+                            </p:childTnLst>
+                          </p:cTn>
+                        </p:par>
+                        <p:par>
+                          <p:cTn id="20" fill="hold">
+                            <p:stCondLst>
+                              <p:cond delay="1500"/>
+                            </p:stCondLst>
+                            <p:childTnLst>
+                              <p:par>
+                                <p:cTn id="21" presetID="2" presetClass="entr" presetSubtype="4" fill="hold" grpId="0" nodeType="afterEffect">
+                                  <p:stCondLst>
+                                    <p:cond delay="0"/>
+                                  </p:stCondLst>
+                                  <p:childTnLst>
+                                    <p:set>
+                                      <p:cBhvr>
+                                        <p:cTn id="22" dur="1" fill="hold">
+                                          <p:stCondLst>
+                                            <p:cond delay="0"/>
+                                          </p:stCondLst>
+                                        </p:cTn>
+                                        <p:tgtEl>
+                                          <p:spTgt spid="4">
+                                            <p:txEl>
+                                              <p:pRg st="2" end="2"/>
+                                            </p:txEl>
+                                          </p:spTgt>
+                                        </p:tgtEl>
+                                        <p:attrNameLst>
+                                          <p:attrName>style.visibility</p:attrName>
+                                        </p:attrNameLst>
+                                      </p:cBhvr>
+                                      <p:to>
+                                        <p:strVal val="visible"/>
+                                      </p:to>
+                                    </p:set>
+                                    <p:anim calcmode="lin" valueType="num">
+                                      <p:cBhvr additive="base">
+                                        <p:cTn id="23" dur="500" fill="hold"/>
+                                        <p:tgtEl>
+                                          <p:spTgt spid="4">
+                                            <p:txEl>
+                                              <p:pRg st="2" end="2"/>
+                                            </p:txEl>
+                                          </p:spTgt>
+                                        </p:tgtEl>
+                                        <p:attrNameLst>
+                                          <p:attrName>ppt_x</p:attrName>
+                                        </p:attrNameLst>
+                                      </p:cBhvr>
+                                      <p:tavLst>
+                                        <p:tav tm="0">
+                                          <p:val>
+                                            <p:strVal val="#ppt_x"/>
+                                          </p:val>
+                                        </p:tav>
+                                        <p:tav tm="100000">
+                                          <p:val>
+                                            <p:strVal val="#ppt_x"/>
+                                          </p:val>
+                                        </p:tav>
+                                      </p:tavLst>
+                                    </p:anim>
+                                    <p:anim calcmode="lin" valueType="num">
+                                      <p:cBhvr additive="base">
+                                        <p:cTn id="24" dur="500" fill="hold"/>
+                                        <p:tgtEl>
+                                          <p:spTgt spid="4">
+                                            <p:txEl>
+                                              <p:pRg st="2" end="2"/>
+                                            </p:txEl>
+                                          </p:spTgt>
+                                        </p:tgtEl>
+                                        <p:attrNameLst>
+                                          <p:attrName>ppt_y</p:attrName>
+                                        </p:attrNameLst>
+                                      </p:cBhvr>
+                                      <p:tavLst>
+                                        <p:tav tm="0">
+                                          <p:val>
+                                            <p:strVal val="1+#ppt_h/2"/>
+                                          </p:val>
+                                        </p:tav>
+                                        <p:tav tm="100000">
+                                          <p:val>
+                                            <p:strVal val="#ppt_y"/>
+                                          </p:val>
+                                        </p:tav>
+                                      </p:tavLst>
+                                    </p:anim>
+                                  </p:childTnLst>
+                                </p:cTn>
+                              </p:par>
+                            </p:childTnLst>
+                          </p:cTn>
+                        </p:par>
+                        <p:par>
+                          <p:cTn id="25" fill="hold">
+                            <p:stCondLst>
+                              <p:cond delay="2000"/>
+                            </p:stCondLst>
+                            <p:childTnLst>
+                              <p:par>
+                                <p:cTn id="26" presetID="2" presetClass="entr" presetSubtype="4" fill="hold" grpId="0" nodeType="afterEffect">
+                                  <p:stCondLst>
+                                    <p:cond delay="0"/>
+                                  </p:stCondLst>
+                                  <p:childTnLst>
+                                    <p:set>
+                                      <p:cBhvr>
+                                        <p:cTn id="27" dur="1" fill="hold">
+                                          <p:stCondLst>
+                                            <p:cond delay="0"/>
+                                          </p:stCondLst>
+                                        </p:cTn>
+                                        <p:tgtEl>
+                                          <p:spTgt spid="4">
+                                            <p:txEl>
+                                              <p:pRg st="3" end="3"/>
+                                            </p:txEl>
+                                          </p:spTgt>
+                                        </p:tgtEl>
+                                        <p:attrNameLst>
+                                          <p:attrName>style.visibility</p:attrName>
+                                        </p:attrNameLst>
+                                      </p:cBhvr>
+                                      <p:to>
+                                        <p:strVal val="visible"/>
+                                      </p:to>
+                                    </p:set>
+                                    <p:anim calcmode="lin" valueType="num">
+                                      <p:cBhvr additive="base">
+                                        <p:cTn id="28" dur="500" fill="hold"/>
+                                        <p:tgtEl>
+                                          <p:spTgt spid="4">
+                                            <p:txEl>
+                                              <p:pRg st="3" end="3"/>
+                                            </p:txEl>
+                                          </p:spTgt>
+                                        </p:tgtEl>
+                                        <p:attrNameLst>
+                                          <p:attrName>ppt_x</p:attrName>
+                                        </p:attrNameLst>
+                                      </p:cBhvr>
+                                      <p:tavLst>
+                                        <p:tav tm="0">
+                                          <p:val>
+                                            <p:strVal val="#ppt_x"/>
+                                          </p:val>
+                                        </p:tav>
+                                        <p:tav tm="100000">
+                                          <p:val>
+                                            <p:strVal val="#ppt_x"/>
+                                          </p:val>
+                                        </p:tav>
+                                      </p:tavLst>
+                                    </p:anim>
+                                    <p:anim calcmode="lin" valueType="num">
+                                      <p:cBhvr additive="base">
+                                        <p:cTn id="29" dur="500" fill="hold"/>
+                                        <p:tgtEl>
+                                          <p:spTgt spid="4">
+                                            <p:txEl>
+                                              <p:pRg st="3" end="3"/>
+                                            </p:txEl>
+                                          </p:spTgt>
+                                        </p:tgtEl>
+                                        <p:attrNameLst>
+                                          <p:attrName>ppt_y</p:attrName>
+                                        </p:attrNameLst>
+                                      </p:cBhvr>
+                                      <p:tavLst>
+                                        <p:tav tm="0">
+                                          <p:val>
+                                            <p:strVal val="1+#ppt_h/2"/>
+                                          </p:val>
+                                        </p:tav>
+                                        <p:tav tm="100000">
+                                          <p:val>
+                                            <p:strVal val="#ppt_y"/>
+                                          </p:val>
+                                        </p:tav>
+                                      </p:tavLst>
+                                    </p:anim>
+                                  </p:childTnLst>
+                                </p:cTn>
+                              </p:par>
+                            </p:childTnLst>
+                          </p:cTn>
+                        </p:par>
+                        <p:par>
+                          <p:cTn id="30" fill="hold">
+                            <p:stCondLst>
+                              <p:cond delay="2500"/>
+                            </p:stCondLst>
+                            <p:childTnLst>
+                              <p:par>
+                                <p:cTn id="31" presetID="2" presetClass="entr" presetSubtype="4" fill="hold" grpId="0" nodeType="afterEffect">
+                                  <p:stCondLst>
+                                    <p:cond delay="0"/>
+                                  </p:stCondLst>
+                                  <p:childTnLst>
+                                    <p:set>
+                                      <p:cBhvr>
+                                        <p:cTn id="32" dur="1" fill="hold">
+                                          <p:stCondLst>
+                                            <p:cond delay="0"/>
+                                          </p:stCondLst>
+                                        </p:cTn>
+                                        <p:tgtEl>
+                                          <p:spTgt spid="4">
+                                            <p:txEl>
+                                              <p:pRg st="4" end="4"/>
+                                            </p:txEl>
+                                          </p:spTgt>
+                                        </p:tgtEl>
+                                        <p:attrNameLst>
+                                          <p:attrName>style.visibility</p:attrName>
+                                        </p:attrNameLst>
+                                      </p:cBhvr>
+                                      <p:to>
+                                        <p:strVal val="visible"/>
+                                      </p:to>
+                                    </p:set>
+                                    <p:anim calcmode="lin" valueType="num">
+                                      <p:cBhvr additive="base">
+                                        <p:cTn id="33" dur="500" fill="hold"/>
+                                        <p:tgtEl>
+                                          <p:spTgt spid="4">
+                                            <p:txEl>
+                                              <p:pRg st="4" end="4"/>
+                                            </p:txEl>
+                                          </p:spTgt>
+                                        </p:tgtEl>
+                                        <p:attrNameLst>
+                                          <p:attrName>ppt_x</p:attrName>
+                                        </p:attrNameLst>
+                                      </p:cBhvr>
+                                      <p:tavLst>
+                                        <p:tav tm="0">
+                                          <p:val>
+                                            <p:strVal val="#ppt_x"/>
+                                          </p:val>
+                                        </p:tav>
+                                        <p:tav tm="100000">
+                                          <p:val>
+                                            <p:strVal val="#ppt_x"/>
+                                          </p:val>
+                                        </p:tav>
+                                      </p:tavLst>
+                                    </p:anim>
+                                    <p:anim calcmode="lin" valueType="num">
+                                      <p:cBhvr additive="base">
+                                        <p:cTn id="34" dur="500" fill="hold"/>
+                                        <p:tgtEl>
+                                          <p:spTgt spid="4">
+                                            <p:txEl>
+                                              <p:pRg st="4" end="4"/>
                                             </p:txEl>
                                           </p:spTgt>
                                         </p:tgtEl>
@@ -9159,7 +11846,7 @@
 </p:sld>
 </file>
 
-<file path=ppt/slides/slide7.xml><?xml version="1.0" encoding="utf-8"?>
+<file path=ppt/slides/slide8.xml><?xml version="1.0" encoding="utf-8"?>
 <p:sld xmlns:a="http://schemas.openxmlformats.org/drawingml/2006/main" xmlns:r="http://schemas.openxmlformats.org/officeDocument/2006/relationships" xmlns:p="http://schemas.openxmlformats.org/presentationml/2006/main">
   <p:cSld>
     <p:spTree>
